--- a/vault-consul/delivery/02__Vault_introduction.pptx
+++ b/vault-consul/delivery/02__Vault_introduction.pptx
@@ -1,49 +1,52 @@
 
 <file path=ppt/presentation.xml><?xml version="1.0" encoding="utf-8"?>
-<p:presentation xmlns:a="http://schemas.openxmlformats.org/drawingml/2006/main" xmlns:r="http://schemas.openxmlformats.org/officeDocument/2006/relationships" xmlns:p="http://schemas.openxmlformats.org/presentationml/2006/main" showSpecialPlsOnTitleSld="0" saveSubsetFonts="1" autoCompressPictures="0">
+<p:presentation xmlns:a="http://schemas.openxmlformats.org/drawingml/2006/main" xmlns:r="http://schemas.openxmlformats.org/officeDocument/2006/relationships" xmlns:p="http://schemas.openxmlformats.org/presentationml/2006/main" showSpecialPlsOnTitleSld="0" autoCompressPictures="0">
   <p:sldMasterIdLst>
-    <p:sldMasterId id="2147483651" r:id="rId1"/>
+    <p:sldMasterId id="2147483648" r:id="rId1"/>
   </p:sldMasterIdLst>
   <p:notesMasterIdLst>
-    <p:notesMasterId r:id="rId33"/>
+    <p:notesMasterId r:id="rId37"/>
   </p:notesMasterIdLst>
   <p:handoutMasterIdLst>
-    <p:handoutMasterId r:id="rId34"/>
+    <p:handoutMasterId r:id="rId38"/>
   </p:handoutMasterIdLst>
   <p:sldIdLst>
-    <p:sldId id="256" r:id="rId2"/>
-    <p:sldId id="257" r:id="rId3"/>
-    <p:sldId id="258" r:id="rId4"/>
-    <p:sldId id="259" r:id="rId5"/>
-    <p:sldId id="260" r:id="rId6"/>
-    <p:sldId id="261" r:id="rId7"/>
-    <p:sldId id="262" r:id="rId8"/>
-    <p:sldId id="263" r:id="rId9"/>
-    <p:sldId id="264" r:id="rId10"/>
-    <p:sldId id="265" r:id="rId11"/>
-    <p:sldId id="266" r:id="rId12"/>
-    <p:sldId id="267" r:id="rId13"/>
-    <p:sldId id="268" r:id="rId14"/>
-    <p:sldId id="269" r:id="rId15"/>
-    <p:sldId id="270" r:id="rId16"/>
-    <p:sldId id="271" r:id="rId17"/>
-    <p:sldId id="272" r:id="rId18"/>
-    <p:sldId id="273" r:id="rId19"/>
-    <p:sldId id="274" r:id="rId20"/>
-    <p:sldId id="275" r:id="rId21"/>
-    <p:sldId id="276" r:id="rId22"/>
-    <p:sldId id="277" r:id="rId23"/>
-    <p:sldId id="278" r:id="rId24"/>
-    <p:sldId id="279" r:id="rId25"/>
-    <p:sldId id="280" r:id="rId26"/>
-    <p:sldId id="281" r:id="rId27"/>
-    <p:sldId id="282" r:id="rId28"/>
-    <p:sldId id="283" r:id="rId29"/>
-    <p:sldId id="284" r:id="rId30"/>
-    <p:sldId id="285" r:id="rId31"/>
-    <p:sldId id="286" r:id="rId32"/>
+    <p:sldId id="256" r:id="rId3"/>
+    <p:sldId id="257" r:id="rId4"/>
+    <p:sldId id="258" r:id="rId5"/>
+    <p:sldId id="259" r:id="rId6"/>
+    <p:sldId id="260" r:id="rId7"/>
+    <p:sldId id="261" r:id="rId8"/>
+    <p:sldId id="262" r:id="rId9"/>
+    <p:sldId id="263" r:id="rId10"/>
+    <p:sldId id="264" r:id="rId11"/>
+    <p:sldId id="265" r:id="rId12"/>
+    <p:sldId id="266" r:id="rId13"/>
+    <p:sldId id="267" r:id="rId14"/>
+    <p:sldId id="268" r:id="rId15"/>
+    <p:sldId id="269" r:id="rId16"/>
+    <p:sldId id="270" r:id="rId17"/>
+    <p:sldId id="271" r:id="rId18"/>
+    <p:sldId id="272" r:id="rId19"/>
+    <p:sldId id="273" r:id="rId20"/>
+    <p:sldId id="274" r:id="rId21"/>
+    <p:sldId id="275" r:id="rId22"/>
+    <p:sldId id="276" r:id="rId23"/>
+    <p:sldId id="277" r:id="rId24"/>
+    <p:sldId id="278" r:id="rId25"/>
+    <p:sldId id="279" r:id="rId26"/>
+    <p:sldId id="280" r:id="rId27"/>
+    <p:sldId id="281" r:id="rId28"/>
+    <p:sldId id="282" r:id="rId29"/>
+    <p:sldId id="283" r:id="rId30"/>
+    <p:sldId id="284" r:id="rId31"/>
+    <p:sldId id="285" r:id="rId32"/>
+    <p:sldId id="286" r:id="rId33"/>
+    <p:sldId id="287" r:id="rId34"/>
+    <p:sldId id="288" r:id="rId35"/>
+    <p:sldId id="289" r:id="rId36"/>
   </p:sldIdLst>
-  <p:sldSz cx="9372600" cy="8297863"/>
+  <p:sldSz cx="9372600" cy="8297545"/>
   <p:notesSz cx="7315200" cy="9601200"/>
   <p:defaultTextStyle>
     <a:defPPr>
@@ -61,8 +64,8 @@
           <a:schemeClr val="tx1"/>
         </a:solidFill>
         <a:latin typeface="Garamond" pitchFamily="18" charset="0"/>
-        <a:ea typeface="ＭＳ Ｐゴシック"/>
-        <a:cs typeface="ＭＳ Ｐゴシック"/>
+        <a:ea typeface="MS PGothic"/>
+        <a:cs typeface="MS PGothic"/>
       </a:defRPr>
     </a:lvl1pPr>
     <a:lvl2pPr marL="457200" algn="l" rtl="0" fontAlgn="base">
@@ -77,8 +80,8 @@
           <a:schemeClr val="tx1"/>
         </a:solidFill>
         <a:latin typeface="Garamond" pitchFamily="18" charset="0"/>
-        <a:ea typeface="ＭＳ Ｐゴシック"/>
-        <a:cs typeface="ＭＳ Ｐゴシック"/>
+        <a:ea typeface="MS PGothic"/>
+        <a:cs typeface="MS PGothic"/>
       </a:defRPr>
     </a:lvl2pPr>
     <a:lvl3pPr marL="914400" algn="l" rtl="0" fontAlgn="base">
@@ -93,8 +96,8 @@
           <a:schemeClr val="tx1"/>
         </a:solidFill>
         <a:latin typeface="Garamond" pitchFamily="18" charset="0"/>
-        <a:ea typeface="ＭＳ Ｐゴシック"/>
-        <a:cs typeface="ＭＳ Ｐゴシック"/>
+        <a:ea typeface="MS PGothic"/>
+        <a:cs typeface="MS PGothic"/>
       </a:defRPr>
     </a:lvl3pPr>
     <a:lvl4pPr marL="1371600" algn="l" rtl="0" fontAlgn="base">
@@ -109,8 +112,8 @@
           <a:schemeClr val="tx1"/>
         </a:solidFill>
         <a:latin typeface="Garamond" pitchFamily="18" charset="0"/>
-        <a:ea typeface="ＭＳ Ｐゴシック"/>
-        <a:cs typeface="ＭＳ Ｐゴシック"/>
+        <a:ea typeface="MS PGothic"/>
+        <a:cs typeface="MS PGothic"/>
       </a:defRPr>
     </a:lvl4pPr>
     <a:lvl5pPr marL="1828800" algn="l" rtl="0" fontAlgn="base">
@@ -125,8 +128,8 @@
           <a:schemeClr val="tx1"/>
         </a:solidFill>
         <a:latin typeface="Garamond" pitchFamily="18" charset="0"/>
-        <a:ea typeface="ＭＳ Ｐゴシック"/>
-        <a:cs typeface="ＭＳ Ｐゴシック"/>
+        <a:ea typeface="MS PGothic"/>
+        <a:cs typeface="MS PGothic"/>
       </a:defRPr>
     </a:lvl5pPr>
     <a:lvl6pPr marL="2286000" algn="l" defTabSz="914400" rtl="0" eaLnBrk="1" latinLnBrk="0" hangingPunct="1">
@@ -135,8 +138,8 @@
           <a:schemeClr val="tx1"/>
         </a:solidFill>
         <a:latin typeface="Garamond" pitchFamily="18" charset="0"/>
-        <a:ea typeface="ＭＳ Ｐゴシック"/>
-        <a:cs typeface="ＭＳ Ｐゴシック"/>
+        <a:ea typeface="MS PGothic"/>
+        <a:cs typeface="MS PGothic"/>
       </a:defRPr>
     </a:lvl6pPr>
     <a:lvl7pPr marL="2743200" algn="l" defTabSz="914400" rtl="0" eaLnBrk="1" latinLnBrk="0" hangingPunct="1">
@@ -145,8 +148,8 @@
           <a:schemeClr val="tx1"/>
         </a:solidFill>
         <a:latin typeface="Garamond" pitchFamily="18" charset="0"/>
-        <a:ea typeface="ＭＳ Ｐゴシック"/>
-        <a:cs typeface="ＭＳ Ｐゴシック"/>
+        <a:ea typeface="MS PGothic"/>
+        <a:cs typeface="MS PGothic"/>
       </a:defRPr>
     </a:lvl7pPr>
     <a:lvl8pPr marL="3200400" algn="l" defTabSz="914400" rtl="0" eaLnBrk="1" latinLnBrk="0" hangingPunct="1">
@@ -155,8 +158,8 @@
           <a:schemeClr val="tx1"/>
         </a:solidFill>
         <a:latin typeface="Garamond" pitchFamily="18" charset="0"/>
-        <a:ea typeface="ＭＳ Ｐゴシック"/>
-        <a:cs typeface="ＭＳ Ｐゴシック"/>
+        <a:ea typeface="MS PGothic"/>
+        <a:cs typeface="MS PGothic"/>
       </a:defRPr>
     </a:lvl8pPr>
     <a:lvl9pPr marL="3657600" algn="l" defTabSz="914400" rtl="0" eaLnBrk="1" latinLnBrk="0" hangingPunct="1">
@@ -165,41 +168,11 @@
           <a:schemeClr val="tx1"/>
         </a:solidFill>
         <a:latin typeface="Garamond" pitchFamily="18" charset="0"/>
-        <a:ea typeface="ＭＳ Ｐゴシック"/>
-        <a:cs typeface="ＭＳ Ｐゴシック"/>
+        <a:ea typeface="MS PGothic"/>
+        <a:cs typeface="MS PGothic"/>
       </a:defRPr>
     </a:lvl9pPr>
   </p:defaultTextStyle>
-  <p:extLst>
-    <p:ext uri="{EFAFB233-063F-42B5-8137-9DF3F51BA10A}">
-      <p15:sldGuideLst xmlns:p15="http://schemas.microsoft.com/office/powerpoint/2012/main">
-        <p15:guide id="1" orient="horz" pos="2614" userDrawn="1">
-          <p15:clr>
-            <a:srgbClr val="A4A3A4"/>
-          </p15:clr>
-        </p15:guide>
-        <p15:guide id="2" pos="2952" userDrawn="1">
-          <p15:clr>
-            <a:srgbClr val="A4A3A4"/>
-          </p15:clr>
-        </p15:guide>
-      </p15:sldGuideLst>
-    </p:ext>
-    <p:ext uri="{2D200454-40CA-4A62-9FC3-DE9A4176ACB9}">
-      <p15:notesGuideLst xmlns:p15="http://schemas.microsoft.com/office/powerpoint/2012/main">
-        <p15:guide id="1" orient="horz" pos="3024">
-          <p15:clr>
-            <a:srgbClr val="A4A3A4"/>
-          </p15:clr>
-        </p15:guide>
-        <p15:guide id="2" pos="2308">
-          <p15:clr>
-            <a:srgbClr val="A4A3A4"/>
-          </p15:clr>
-        </p15:guide>
-      </p15:notesGuideLst>
-    </p:ext>
-  </p:extLst>
 </p:presentation>
 </file>
 
@@ -242,7 +215,7 @@
         <p:nvSpPr>
           <p:cNvPr id="1028" name="Rectangle 4"/>
           <p:cNvSpPr>
-            <a:spLocks noGrp="1" noChangeArrowheads="1"/>
+            <a:spLocks noGrp="true" noChangeArrowheads="true"/>
           </p:cNvSpPr>
           <p:nvPr>
             <p:ph type="ftr" sz="quarter" idx="2"/>
@@ -260,20 +233,14 @@
           <a:ln w="9525">
             <a:noFill/>
             <a:miter lim="800000"/>
-            <a:headEnd/>
-            <a:tailEnd/>
           </a:ln>
         </p:spPr>
         <p:txBody>
-          <a:bodyPr vert="horz" wrap="square" lIns="96603" tIns="48303" rIns="96603" bIns="48303" numCol="1" anchor="b" anchorCtr="0" compatLnSpc="1">
-            <a:prstTxWarp prst="textNoShape">
-              <a:avLst/>
-            </a:prstTxWarp>
-          </a:bodyPr>
+          <a:bodyPr vert="horz" wrap="square" lIns="96603" tIns="48303" rIns="96603" bIns="48303" numCol="1" anchor="b" anchorCtr="false" compatLnSpc="true"/>
           <a:lstStyle>
             <a:lvl1pPr defTabSz="965200">
               <a:defRPr sz="1200">
-                <a:latin typeface="Times New Roman" pitchFamily="18" charset="0"/>
+                <a:latin typeface="Times New Roman" panose="02020603050405020304" charset="0"/>
               </a:defRPr>
             </a:lvl1pPr>
           </a:lstStyle>
@@ -285,6 +252,7 @@
               <a:rPr lang="en-US" dirty="0"/>
               <a:t>Copyright © 2017 Elephant Scale. All rights reserved.</a:t>
             </a:r>
+            <a:endParaRPr lang="en-US" dirty="0"/>
           </a:p>
         </p:txBody>
       </p:sp>
@@ -292,7 +260,7 @@
         <p:nvSpPr>
           <p:cNvPr id="1029" name="Rectangle 5"/>
           <p:cNvSpPr>
-            <a:spLocks noGrp="1" noChangeArrowheads="1"/>
+            <a:spLocks noGrp="true" noChangeArrowheads="true"/>
           </p:cNvSpPr>
           <p:nvPr>
             <p:ph type="sldNum" sz="quarter" idx="3"/>
@@ -310,20 +278,14 @@
           <a:ln w="9525">
             <a:noFill/>
             <a:miter lim="800000"/>
-            <a:headEnd/>
-            <a:tailEnd/>
           </a:ln>
         </p:spPr>
         <p:txBody>
-          <a:bodyPr vert="horz" wrap="square" lIns="96603" tIns="48303" rIns="96603" bIns="48303" numCol="1" anchor="b" anchorCtr="0" compatLnSpc="1">
-            <a:prstTxWarp prst="textNoShape">
-              <a:avLst/>
-            </a:prstTxWarp>
-          </a:bodyPr>
+          <a:bodyPr vert="horz" wrap="square" lIns="96603" tIns="48303" rIns="96603" bIns="48303" numCol="1" anchor="b" anchorCtr="false" compatLnSpc="true"/>
           <a:lstStyle>
             <a:lvl1pPr algn="r" defTabSz="965200">
               <a:defRPr sz="1200">
-                <a:latin typeface="Times New Roman" pitchFamily="18" charset="0"/>
+                <a:latin typeface="Times New Roman" panose="02020603050405020304" charset="0"/>
               </a:defRPr>
             </a:lvl1pPr>
           </a:lstStyle>
@@ -333,21 +295,12 @@
             </a:pPr>
             <a:fld id="{97E62689-8C7D-4291-A094-4E689FEC4C3B}" type="slidenum">
               <a:rPr lang="en-US"/>
-              <a:pPr>
-                <a:defRPr/>
-              </a:pPr>
-              <a:t>‹#›</a:t>
             </a:fld>
             <a:endParaRPr lang="en-US" dirty="0"/>
           </a:p>
         </p:txBody>
       </p:sp>
     </p:spTree>
-    <p:extLst>
-      <p:ext uri="{BB962C8B-B14F-4D97-AF65-F5344CB8AC3E}">
-        <p14:creationId xmlns:p14="http://schemas.microsoft.com/office/powerpoint/2010/main" val="3239291525"/>
-      </p:ext>
-    </p:extLst>
   </p:cSld>
   <p:clrMap bg1="lt1" tx1="dk1" bg2="lt2" tx2="dk2" accent1="accent1" accent2="accent2" accent3="accent3" accent4="accent4" accent5="accent5" accent6="accent6" hlink="hlink" folHlink="folHlink"/>
   <p:hf hdr="0" ftr="0" dt="0"/>
@@ -383,7 +336,7 @@
         <p:nvSpPr>
           <p:cNvPr id="6146" name="Rectangle 4"/>
           <p:cNvSpPr>
-            <a:spLocks noGrp="1" noRot="1" noChangeAspect="1" noChangeArrowheads="1" noTextEdit="1"/>
+            <a:spLocks noGrp="true" noRot="true" noChangeAspect="true" noChangeArrowheads="true" noTextEdit="true"/>
           </p:cNvSpPr>
           <p:nvPr>
             <p:ph type="sldImg" idx="2"/>
@@ -403,8 +356,6 @@
               <a:srgbClr val="000000"/>
             </a:solidFill>
             <a:miter lim="800000"/>
-            <a:headEnd/>
-            <a:tailEnd/>
           </a:ln>
         </p:spPr>
       </p:sp>
@@ -412,7 +363,7 @@
         <p:nvSpPr>
           <p:cNvPr id="438280" name="Rectangle 8"/>
           <p:cNvSpPr>
-            <a:spLocks noGrp="1" noChangeArrowheads="1"/>
+            <a:spLocks noGrp="true" noChangeArrowheads="true"/>
           </p:cNvSpPr>
           <p:nvPr>
             <p:ph type="ftr" sz="quarter" idx="4"/>
@@ -430,21 +381,15 @@
           <a:ln w="9525">
             <a:noFill/>
             <a:miter lim="800000"/>
-            <a:headEnd/>
-            <a:tailEnd/>
           </a:ln>
           <a:effectLst/>
         </p:spPr>
         <p:txBody>
-          <a:bodyPr vert="horz" wrap="square" lIns="0" tIns="0" rIns="0" bIns="0" numCol="1" anchor="b" anchorCtr="1" compatLnSpc="1">
-            <a:prstTxWarp prst="textNoShape">
-              <a:avLst/>
-            </a:prstTxWarp>
-          </a:bodyPr>
+          <a:bodyPr vert="horz" wrap="square" lIns="0" tIns="0" rIns="0" bIns="0" numCol="1" anchor="b" anchorCtr="true" compatLnSpc="true"/>
           <a:lstStyle>
             <a:lvl1pPr algn="ctr" defTabSz="965200" eaLnBrk="0" hangingPunct="0">
               <a:defRPr sz="900">
-                <a:latin typeface="Arial" charset="0"/>
+                <a:latin typeface="Arial" panose="020B0604020202020204" pitchFamily="34" charset="0"/>
               </a:defRPr>
             </a:lvl1pPr>
           </a:lstStyle>
@@ -456,6 +401,7 @@
               <a:rPr lang="en-US" dirty="0"/>
               <a:t>Copyright © 2017 Elephant Scale. All rights reserved.</a:t>
             </a:r>
+            <a:endParaRPr lang="en-US" dirty="0"/>
           </a:p>
         </p:txBody>
       </p:sp>
@@ -463,7 +409,7 @@
         <p:nvSpPr>
           <p:cNvPr id="438281" name="Rectangle 9"/>
           <p:cNvSpPr>
-            <a:spLocks noGrp="1" noChangeArrowheads="1"/>
+            <a:spLocks noGrp="true" noChangeArrowheads="true"/>
           </p:cNvSpPr>
           <p:nvPr>
             <p:ph type="sldNum" sz="quarter" idx="5"/>
@@ -481,21 +427,15 @@
           <a:ln w="9525">
             <a:noFill/>
             <a:miter lim="800000"/>
-            <a:headEnd/>
-            <a:tailEnd/>
           </a:ln>
           <a:effectLst/>
         </p:spPr>
         <p:txBody>
-          <a:bodyPr vert="horz" wrap="square" lIns="0" tIns="0" rIns="0" bIns="0" numCol="1" anchor="b" anchorCtr="0" compatLnSpc="1">
-            <a:prstTxWarp prst="textNoShape">
-              <a:avLst/>
-            </a:prstTxWarp>
-          </a:bodyPr>
+          <a:bodyPr vert="horz" wrap="square" lIns="0" tIns="0" rIns="0" bIns="0" numCol="1" anchor="b" anchorCtr="false" compatLnSpc="true"/>
           <a:lstStyle>
             <a:lvl1pPr algn="r" defTabSz="965200" eaLnBrk="0" hangingPunct="0">
               <a:defRPr b="1">
-                <a:latin typeface="Arial" charset="0"/>
+                <a:latin typeface="Arial" panose="020B0604020202020204" pitchFamily="34" charset="0"/>
               </a:defRPr>
             </a:lvl1pPr>
           </a:lstStyle>
@@ -505,10 +445,6 @@
             </a:pPr>
             <a:fld id="{EFAADD5D-AF76-45EE-AA5F-6DAC73BF167A}" type="slidenum">
               <a:rPr lang="en-US"/>
-              <a:pPr>
-                <a:defRPr/>
-              </a:pPr>
-              <a:t>‹#›</a:t>
             </a:fld>
             <a:endParaRPr lang="en-US" dirty="0"/>
           </a:p>
@@ -517,8 +453,8 @@
       <p:sp>
         <p:nvSpPr>
           <p:cNvPr id="438306" name="Text Box 34"/>
-          <p:cNvSpPr txBox="1">
-            <a:spLocks noChangeArrowheads="1"/>
+          <p:cNvSpPr txBox="true">
+            <a:spLocks noChangeArrowheads="true"/>
           </p:cNvSpPr>
           <p:nvPr/>
         </p:nvSpPr>
@@ -534,24 +470,26 @@
           <a:ln w="9525">
             <a:noFill/>
             <a:miter lim="800000"/>
-            <a:headEnd/>
-            <a:tailEnd/>
           </a:ln>
         </p:spPr>
         <p:txBody>
           <a:bodyPr wrap="none" lIns="96386" tIns="48194" rIns="96386" bIns="48194"/>
           <a:lstStyle/>
           <a:p>
-            <a:pPr defTabSz="960438">
+            <a:pPr defTabSz="960755">
               <a:defRPr/>
             </a:pPr>
             <a:r>
               <a:rPr lang="en-US" sz="1200" b="1" u="sng" dirty="0">
-                <a:latin typeface="Times New Roman" pitchFamily="18" charset="0"/>
-                <a:cs typeface="Times New Roman" pitchFamily="18" charset="0"/>
+                <a:latin typeface="Times New Roman" panose="02020603050405020304" charset="0"/>
+                <a:cs typeface="Times New Roman" panose="02020603050405020304" charset="0"/>
               </a:rPr>
               <a:t>Notes:</a:t>
             </a:r>
+            <a:endParaRPr lang="en-US" sz="1200" b="1" u="sng" dirty="0">
+              <a:latin typeface="Times New Roman" panose="02020603050405020304" charset="0"/>
+              <a:cs typeface="Times New Roman" panose="02020603050405020304" charset="0"/>
+            </a:endParaRPr>
           </a:p>
         </p:txBody>
       </p:sp>
@@ -559,7 +497,7 @@
         <p:nvSpPr>
           <p:cNvPr id="438309" name="Rectangle 37"/>
           <p:cNvSpPr>
-            <a:spLocks noGrp="1" noChangeArrowheads="1"/>
+            <a:spLocks noGrp="true" noChangeArrowheads="true"/>
           </p:cNvSpPr>
           <p:nvPr>
             <p:ph type="body" sz="quarter" idx="3"/>
@@ -577,16 +515,10 @@
           <a:ln w="9525">
             <a:noFill/>
             <a:miter lim="800000"/>
-            <a:headEnd/>
-            <a:tailEnd/>
           </a:ln>
         </p:spPr>
         <p:txBody>
-          <a:bodyPr vert="horz" wrap="square" lIns="91537" tIns="45768" rIns="91537" bIns="45768" numCol="1" anchor="t" anchorCtr="0" compatLnSpc="1">
-            <a:prstTxWarp prst="textNoShape">
-              <a:avLst/>
-            </a:prstTxWarp>
-          </a:bodyPr>
+          <a:bodyPr vert="horz" wrap="square" lIns="91537" tIns="45768" rIns="91537" bIns="45768" numCol="1" anchor="t" anchorCtr="false" compatLnSpc="true"/>
           <a:lstStyle/>
           <a:p>
             <a:pPr lvl="0"/>
@@ -598,7 +530,7 @@
         <p:nvSpPr>
           <p:cNvPr id="438317" name="Line 45"/>
           <p:cNvSpPr>
-            <a:spLocks noChangeShapeType="1"/>
+            <a:spLocks noChangeShapeType="true"/>
           </p:cNvSpPr>
           <p:nvPr/>
         </p:nvSpPr>
@@ -616,8 +548,6 @@
               <a:srgbClr val="000000"/>
             </a:solidFill>
             <a:round/>
-            <a:headEnd/>
-            <a:tailEnd/>
           </a:ln>
           <a:effectLst/>
         </p:spPr>
@@ -632,7 +562,7 @@
               <a:defRPr/>
             </a:pPr>
             <a:endParaRPr lang="en-US" dirty="0">
-              <a:latin typeface="Garamond" pitchFamily="-110" charset="0"/>
+              <a:latin typeface="Garamond" pitchFamily="18" charset="0"/>
               <a:ea typeface="+mn-ea"/>
               <a:cs typeface="+mn-cs"/>
             </a:endParaRPr>
@@ -640,11 +570,6 @@
         </p:txBody>
       </p:sp>
     </p:spTree>
-    <p:extLst>
-      <p:ext uri="{BB962C8B-B14F-4D97-AF65-F5344CB8AC3E}">
-        <p14:creationId xmlns:p14="http://schemas.microsoft.com/office/powerpoint/2010/main" val="953744030"/>
-      </p:ext>
-    </p:extLst>
   </p:cSld>
   <p:clrMap bg1="lt1" tx1="dk1" bg2="lt2" tx2="dk2" accent1="accent1" accent2="accent2" accent3="accent3" accent4="accent4" accent5="accent5" accent6="accent6" hlink="hlink" folHlink="folHlink"/>
   <p:hf dt="0"/>
@@ -657,15 +582,15 @@
         <a:spcPct val="0"/>
       </a:spcAft>
       <a:buSzPct val="65000"/>
-      <a:buFont typeface="Wingdings" pitchFamily="2" charset="2"/>
+      <a:buFont typeface="Wingdings" panose="05000000000000000000" pitchFamily="2" charset="2"/>
       <a:buNone/>
       <a:defRPr sz="1200" kern="1200">
         <a:solidFill>
           <a:schemeClr val="tx1"/>
         </a:solidFill>
-        <a:latin typeface="Times New Roman" pitchFamily="-110" charset="0"/>
-        <a:ea typeface="ＭＳ Ｐゴシック" pitchFamily="-110" charset="-128"/>
-        <a:cs typeface="ＭＳ Ｐゴシック" pitchFamily="-110" charset="-128"/>
+        <a:latin typeface="Times New Roman" panose="02020603050405020304" charset="0"/>
+        <a:ea typeface="MS PGothic" pitchFamily="-110" charset="-128"/>
+        <a:cs typeface="MS PGothic" pitchFamily="-110" charset="-128"/>
       </a:defRPr>
     </a:lvl1pPr>
     <a:lvl2pPr marL="282575" indent="0" algn="l" rtl="0" eaLnBrk="0" fontAlgn="base" hangingPunct="0">
@@ -680,12 +605,12 @@
         <a:solidFill>
           <a:schemeClr val="tx1"/>
         </a:solidFill>
-        <a:latin typeface="Times New Roman" pitchFamily="-110" charset="0"/>
-        <a:ea typeface="ＭＳ Ｐゴシック" pitchFamily="-110" charset="-128"/>
-        <a:cs typeface="ＭＳ Ｐゴシック"/>
+        <a:latin typeface="Times New Roman" panose="02020603050405020304" charset="0"/>
+        <a:ea typeface="MS PGothic" pitchFamily="-110" charset="-128"/>
+        <a:cs typeface="MS PGothic"/>
       </a:defRPr>
     </a:lvl2pPr>
-    <a:lvl3pPr marL="744538" indent="-173038" algn="l" rtl="0" eaLnBrk="0" fontAlgn="base" hangingPunct="0">
+    <a:lvl3pPr marL="744855" indent="-173355" algn="l" rtl="0" eaLnBrk="0" fontAlgn="base" hangingPunct="0">
       <a:spcBef>
         <a:spcPct val="30000"/>
       </a:spcBef>
@@ -697,9 +622,9 @@
         <a:solidFill>
           <a:schemeClr val="tx1"/>
         </a:solidFill>
-        <a:latin typeface="Times New Roman" pitchFamily="-110" charset="0"/>
-        <a:ea typeface="ＭＳ Ｐゴシック" pitchFamily="-110" charset="-128"/>
-        <a:cs typeface="ＭＳ Ｐゴシック"/>
+        <a:latin typeface="Times New Roman" panose="02020603050405020304" charset="0"/>
+        <a:ea typeface="MS PGothic" pitchFamily="-110" charset="-128"/>
+        <a:cs typeface="MS PGothic"/>
       </a:defRPr>
     </a:lvl3pPr>
     <a:lvl4pPr marL="1600200" indent="-228600" algn="l" rtl="0" eaLnBrk="0" fontAlgn="base" hangingPunct="0">
@@ -713,9 +638,9 @@
         <a:solidFill>
           <a:schemeClr val="tx1"/>
         </a:solidFill>
-        <a:latin typeface="Times New Roman" pitchFamily="-110" charset="0"/>
-        <a:ea typeface="ＭＳ Ｐゴシック" pitchFamily="-110" charset="-128"/>
-        <a:cs typeface="ＭＳ Ｐゴシック"/>
+        <a:latin typeface="Times New Roman" panose="02020603050405020304" charset="0"/>
+        <a:ea typeface="MS PGothic" pitchFamily="-110" charset="-128"/>
+        <a:cs typeface="MS PGothic"/>
       </a:defRPr>
     </a:lvl4pPr>
     <a:lvl5pPr marL="2057400" indent="-228600" algn="l" rtl="0" eaLnBrk="0" fontAlgn="base" hangingPunct="0">
@@ -729,9 +654,9 @@
         <a:solidFill>
           <a:schemeClr val="tx1"/>
         </a:solidFill>
-        <a:latin typeface="Times New Roman" pitchFamily="-110" charset="0"/>
-        <a:ea typeface="ＭＳ Ｐゴシック" pitchFamily="-110" charset="-128"/>
-        <a:cs typeface="ＭＳ Ｐゴシック"/>
+        <a:latin typeface="Times New Roman" panose="02020603050405020304" charset="0"/>
+        <a:ea typeface="MS PGothic" pitchFamily="-110" charset="-128"/>
+        <a:cs typeface="MS PGothic"/>
       </a:defRPr>
     </a:lvl5pPr>
     <a:lvl6pPr marL="2286000" algn="l" defTabSz="457200" rtl="0" eaLnBrk="1" latinLnBrk="0" hangingPunct="1">
@@ -779,7 +704,7 @@
 </file>
 
 <file path=ppt/slideLayouts/slideLayout1.xml><?xml version="1.0" encoding="utf-8"?>
-<p:sldLayout xmlns:a="http://schemas.openxmlformats.org/drawingml/2006/main" xmlns:r="http://schemas.openxmlformats.org/officeDocument/2006/relationships" xmlns:p="http://schemas.openxmlformats.org/presentationml/2006/main" showMasterSp="0" type="title" preserve="1">
+<p:sldLayout xmlns:a="http://schemas.openxmlformats.org/drawingml/2006/main" xmlns:r="http://schemas.openxmlformats.org/officeDocument/2006/relationships" xmlns:p="http://schemas.openxmlformats.org/presentationml/2006/main" type="title" preserve="1" showMasterSp="0">
   <p:cSld name="Title Slide">
     <p:bg>
       <p:bgPr>
@@ -806,15 +731,17 @@
       <p:pic>
         <p:nvPicPr>
           <p:cNvPr id="4" name="Picture 7"/>
-          <p:cNvPicPr preferRelativeResize="0">
-            <a:picLocks noChangeArrowheads="1"/>
+          <p:cNvPicPr preferRelativeResize="false">
+            <a:picLocks noChangeArrowheads="true"/>
           </p:cNvPicPr>
           <p:nvPr/>
         </p:nvPicPr>
-        <p:blipFill rotWithShape="1">
+        <p:blipFill rotWithShape="true">
           <a:blip r:embed="rId2"/>
           <a:srcRect t="19473"/>
-          <a:stretch/>
+          <a:stretch>
+            <a:fillRect/>
+          </a:stretch>
         </p:blipFill>
         <p:spPr bwMode="auto">
           <a:xfrm>
@@ -837,7 +764,7 @@
         <p:nvSpPr>
           <p:cNvPr id="1104898" name="Rectangle 2"/>
           <p:cNvSpPr>
-            <a:spLocks noGrp="1" noChangeArrowheads="1"/>
+            <a:spLocks noGrp="true" noChangeArrowheads="true"/>
           </p:cNvSpPr>
           <p:nvPr>
             <p:ph type="subTitle" sz="quarter" idx="1"/>
@@ -865,6 +792,7 @@
               <a:rPr lang="en-US"/>
               <a:t>Click to edit Master subtitle style</a:t>
             </a:r>
+            <a:endParaRPr lang="en-US"/>
           </a:p>
         </p:txBody>
       </p:sp>
@@ -872,7 +800,7 @@
         <p:nvSpPr>
           <p:cNvPr id="1104900" name="Rectangle 4"/>
           <p:cNvSpPr>
-            <a:spLocks noGrp="1" noChangeArrowheads="1"/>
+            <a:spLocks noGrp="true" noChangeArrowheads="true"/>
           </p:cNvSpPr>
           <p:nvPr>
             <p:ph type="ctrTitle" sz="quarter"/>
@@ -896,6 +824,7 @@
               <a:rPr lang="en-US"/>
               <a:t>Click to edit Master title style</a:t>
             </a:r>
+            <a:endParaRPr lang="en-US"/>
           </a:p>
         </p:txBody>
       </p:sp>
@@ -928,7 +857,7 @@
         <p:nvSpPr>
           <p:cNvPr id="2" name="Title 1"/>
           <p:cNvSpPr>
-            <a:spLocks noGrp="1"/>
+            <a:spLocks noGrp="true"/>
           </p:cNvSpPr>
           <p:nvPr>
             <p:ph type="title"/>
@@ -945,6 +874,7 @@
               <a:rPr lang="en-US" dirty="0"/>
               <a:t>Click to edit Master title style</a:t>
             </a:r>
+            <a:endParaRPr lang="en-US" dirty="0"/>
           </a:p>
         </p:txBody>
       </p:sp>
@@ -952,7 +882,7 @@
         <p:nvSpPr>
           <p:cNvPr id="3" name="Content Placeholder 2"/>
           <p:cNvSpPr>
-            <a:spLocks noGrp="1"/>
+            <a:spLocks noGrp="true"/>
           </p:cNvSpPr>
           <p:nvPr>
             <p:ph idx="1"/>
@@ -968,6 +898,7 @@
               <a:rPr lang="en-US" dirty="0"/>
               <a:t>Click to edit Master text styles</a:t>
             </a:r>
+            <a:endParaRPr lang="en-US" dirty="0"/>
           </a:p>
           <a:p>
             <a:pPr lvl="1"/>
@@ -975,6 +906,7 @@
               <a:rPr lang="en-US" dirty="0"/>
               <a:t>Second level</a:t>
             </a:r>
+            <a:endParaRPr lang="en-US" dirty="0"/>
           </a:p>
           <a:p>
             <a:pPr lvl="2"/>
@@ -982,6 +914,7 @@
               <a:rPr lang="en-US" dirty="0"/>
               <a:t>Third level</a:t>
             </a:r>
+            <a:endParaRPr lang="en-US" dirty="0"/>
           </a:p>
           <a:p>
             <a:pPr lvl="3"/>
@@ -989,6 +922,7 @@
               <a:rPr lang="en-US" dirty="0"/>
               <a:t>Fourth level</a:t>
             </a:r>
+            <a:endParaRPr lang="en-US" dirty="0"/>
           </a:p>
           <a:p>
             <a:pPr lvl="4"/>
@@ -996,6 +930,7 @@
               <a:rPr lang="en-US" dirty="0"/>
               <a:t>Fifth level</a:t>
             </a:r>
+            <a:endParaRPr lang="en-US" dirty="0"/>
           </a:p>
         </p:txBody>
       </p:sp>
@@ -1003,7 +938,7 @@
         <p:nvSpPr>
           <p:cNvPr id="8" name="Footer Placeholder 7"/>
           <p:cNvSpPr>
-            <a:spLocks noGrp="1"/>
+            <a:spLocks noGrp="true"/>
           </p:cNvSpPr>
           <p:nvPr>
             <p:ph type="ftr" sz="quarter" idx="11"/>
@@ -1021,6 +956,7 @@
               <a:rPr lang="en-US" dirty="0"/>
               <a:t>Copyright © 2017 Elephant Scale. All rights reserved.</a:t>
             </a:r>
+            <a:endParaRPr lang="en-US" dirty="0"/>
           </a:p>
         </p:txBody>
       </p:sp>
@@ -1028,7 +964,7 @@
         <p:nvSpPr>
           <p:cNvPr id="9" name="Slide Number Placeholder 8"/>
           <p:cNvSpPr>
-            <a:spLocks noGrp="1"/>
+            <a:spLocks noGrp="true"/>
           </p:cNvSpPr>
           <p:nvPr>
             <p:ph type="sldNum" sz="quarter" idx="12"/>
@@ -1044,10 +980,6 @@
             </a:pPr>
             <a:fld id="{77EF9825-4C23-4085-A4E3-B5565466BD91}" type="slidenum">
               <a:rPr lang="en-US" smtClean="0"/>
-              <a:pPr>
-                <a:defRPr/>
-              </a:pPr>
-              <a:t>‹#›</a:t>
             </a:fld>
             <a:endParaRPr lang="en-US" dirty="0"/>
           </a:p>
@@ -1082,7 +1014,7 @@
         <p:nvSpPr>
           <p:cNvPr id="2" name="Title 1"/>
           <p:cNvSpPr>
-            <a:spLocks noGrp="1"/>
+            <a:spLocks noGrp="true"/>
           </p:cNvSpPr>
           <p:nvPr>
             <p:ph type="title"/>
@@ -1102,6 +1034,7 @@
               <a:rPr lang="en-US"/>
               <a:t>Click to edit Master title style</a:t>
             </a:r>
+            <a:endParaRPr lang="en-US"/>
           </a:p>
         </p:txBody>
       </p:sp>
@@ -1109,7 +1042,7 @@
         <p:nvSpPr>
           <p:cNvPr id="3" name="Text Placeholder 2"/>
           <p:cNvSpPr>
-            <a:spLocks noGrp="1"/>
+            <a:spLocks noGrp="true"/>
           </p:cNvSpPr>
           <p:nvPr>
             <p:ph type="body" sz="half" idx="1"/>
@@ -1130,6 +1063,7 @@
               <a:rPr lang="en-US"/>
               <a:t>Click to edit Master text styles</a:t>
             </a:r>
+            <a:endParaRPr lang="en-US"/>
           </a:p>
           <a:p>
             <a:pPr lvl="1"/>
@@ -1137,6 +1071,7 @@
               <a:rPr lang="en-US"/>
               <a:t>Second level</a:t>
             </a:r>
+            <a:endParaRPr lang="en-US"/>
           </a:p>
           <a:p>
             <a:pPr lvl="2"/>
@@ -1144,6 +1079,7 @@
               <a:rPr lang="en-US"/>
               <a:t>Third level</a:t>
             </a:r>
+            <a:endParaRPr lang="en-US"/>
           </a:p>
           <a:p>
             <a:pPr lvl="3"/>
@@ -1151,6 +1087,7 @@
               <a:rPr lang="en-US"/>
               <a:t>Fourth level</a:t>
             </a:r>
+            <a:endParaRPr lang="en-US"/>
           </a:p>
           <a:p>
             <a:pPr lvl="4"/>
@@ -1158,6 +1095,7 @@
               <a:rPr lang="en-US"/>
               <a:t>Fifth level</a:t>
             </a:r>
+            <a:endParaRPr lang="en-US"/>
           </a:p>
         </p:txBody>
       </p:sp>
@@ -1165,7 +1103,7 @@
         <p:nvSpPr>
           <p:cNvPr id="4" name="Content Placeholder 3"/>
           <p:cNvSpPr>
-            <a:spLocks noGrp="1"/>
+            <a:spLocks noGrp="true"/>
           </p:cNvSpPr>
           <p:nvPr>
             <p:ph sz="quarter" idx="2"/>
@@ -1186,6 +1124,7 @@
               <a:rPr lang="en-US"/>
               <a:t>Click to edit Master text styles</a:t>
             </a:r>
+            <a:endParaRPr lang="en-US"/>
           </a:p>
           <a:p>
             <a:pPr lvl="1"/>
@@ -1193,6 +1132,7 @@
               <a:rPr lang="en-US"/>
               <a:t>Second level</a:t>
             </a:r>
+            <a:endParaRPr lang="en-US"/>
           </a:p>
           <a:p>
             <a:pPr lvl="2"/>
@@ -1200,6 +1140,7 @@
               <a:rPr lang="en-US"/>
               <a:t>Third level</a:t>
             </a:r>
+            <a:endParaRPr lang="en-US"/>
           </a:p>
           <a:p>
             <a:pPr lvl="3"/>
@@ -1207,6 +1148,7 @@
               <a:rPr lang="en-US"/>
               <a:t>Fourth level</a:t>
             </a:r>
+            <a:endParaRPr lang="en-US"/>
           </a:p>
           <a:p>
             <a:pPr lvl="4"/>
@@ -1214,6 +1156,7 @@
               <a:rPr lang="en-US"/>
               <a:t>Fifth level</a:t>
             </a:r>
+            <a:endParaRPr lang="en-US"/>
           </a:p>
         </p:txBody>
       </p:sp>
@@ -1221,7 +1164,7 @@
         <p:nvSpPr>
           <p:cNvPr id="5" name="Content Placeholder 4"/>
           <p:cNvSpPr>
-            <a:spLocks noGrp="1"/>
+            <a:spLocks noGrp="true"/>
           </p:cNvSpPr>
           <p:nvPr>
             <p:ph sz="quarter" idx="3"/>
@@ -1242,6 +1185,7 @@
               <a:rPr lang="en-US"/>
               <a:t>Click to edit Master text styles</a:t>
             </a:r>
+            <a:endParaRPr lang="en-US"/>
           </a:p>
           <a:p>
             <a:pPr lvl="1"/>
@@ -1249,6 +1193,7 @@
               <a:rPr lang="en-US"/>
               <a:t>Second level</a:t>
             </a:r>
+            <a:endParaRPr lang="en-US"/>
           </a:p>
           <a:p>
             <a:pPr lvl="2"/>
@@ -1256,6 +1201,7 @@
               <a:rPr lang="en-US"/>
               <a:t>Third level</a:t>
             </a:r>
+            <a:endParaRPr lang="en-US"/>
           </a:p>
           <a:p>
             <a:pPr lvl="3"/>
@@ -1263,6 +1209,7 @@
               <a:rPr lang="en-US"/>
               <a:t>Fourth level</a:t>
             </a:r>
+            <a:endParaRPr lang="en-US"/>
           </a:p>
           <a:p>
             <a:pPr lvl="4"/>
@@ -1270,6 +1217,7 @@
               <a:rPr lang="en-US"/>
               <a:t>Fifth level</a:t>
             </a:r>
+            <a:endParaRPr lang="en-US"/>
           </a:p>
         </p:txBody>
       </p:sp>
@@ -1277,15 +1225,13 @@
         <p:nvSpPr>
           <p:cNvPr id="7" name="Rectangle 4"/>
           <p:cNvSpPr>
-            <a:spLocks noGrp="1" noChangeArrowheads="1"/>
+            <a:spLocks noGrp="true" noChangeArrowheads="true"/>
           </p:cNvSpPr>
           <p:nvPr>
             <p:ph type="sldNum" sz="quarter" idx="11"/>
           </p:nvPr>
         </p:nvSpPr>
-        <p:spPr>
-          <a:ln/>
-        </p:spPr>
+        <p:spPr/>
         <p:txBody>
           <a:bodyPr/>
           <a:lstStyle>
@@ -1299,10 +1245,6 @@
             </a:pPr>
             <a:fld id="{040E4B02-67B9-4228-B08B-2561CEE6B946}" type="slidenum">
               <a:rPr lang="en-US"/>
-              <a:pPr>
-                <a:defRPr/>
-              </a:pPr>
-              <a:t>‹#›</a:t>
             </a:fld>
             <a:endParaRPr lang="en-US" dirty="0"/>
           </a:p>
@@ -1312,15 +1254,13 @@
         <p:nvSpPr>
           <p:cNvPr id="8" name="Rectangle 5"/>
           <p:cNvSpPr>
-            <a:spLocks noGrp="1" noChangeArrowheads="1"/>
+            <a:spLocks noGrp="true" noChangeArrowheads="true"/>
           </p:cNvSpPr>
           <p:nvPr>
             <p:ph type="ftr" sz="quarter" idx="12"/>
           </p:nvPr>
         </p:nvSpPr>
-        <p:spPr>
-          <a:ln/>
-        </p:spPr>
+        <p:spPr/>
         <p:txBody>
           <a:bodyPr/>
           <a:lstStyle>
@@ -1336,6 +1276,7 @@
               <a:rPr lang="en-US" dirty="0"/>
               <a:t>Copyright © 2017 Elephant Scale. All rights reserved.</a:t>
             </a:r>
+            <a:endParaRPr lang="en-US" dirty="0"/>
           </a:p>
         </p:txBody>
       </p:sp>
@@ -1368,7 +1309,7 @@
         <p:nvSpPr>
           <p:cNvPr id="2" name="Title 1"/>
           <p:cNvSpPr>
-            <a:spLocks noGrp="1"/>
+            <a:spLocks noGrp="true"/>
           </p:cNvSpPr>
           <p:nvPr>
             <p:ph type="title"/>
@@ -1388,6 +1329,7 @@
               <a:rPr lang="en-US"/>
               <a:t>Click to edit Master title style</a:t>
             </a:r>
+            <a:endParaRPr lang="en-US"/>
           </a:p>
         </p:txBody>
       </p:sp>
@@ -1395,7 +1337,7 @@
         <p:nvSpPr>
           <p:cNvPr id="3" name="Text Placeholder 2"/>
           <p:cNvSpPr>
-            <a:spLocks noGrp="1"/>
+            <a:spLocks noGrp="true"/>
           </p:cNvSpPr>
           <p:nvPr>
             <p:ph type="body" sz="half" idx="1"/>
@@ -1416,6 +1358,7 @@
               <a:rPr lang="en-US"/>
               <a:t>Click to edit Master text styles</a:t>
             </a:r>
+            <a:endParaRPr lang="en-US"/>
           </a:p>
           <a:p>
             <a:pPr lvl="1"/>
@@ -1423,6 +1366,7 @@
               <a:rPr lang="en-US"/>
               <a:t>Second level</a:t>
             </a:r>
+            <a:endParaRPr lang="en-US"/>
           </a:p>
           <a:p>
             <a:pPr lvl="2"/>
@@ -1430,6 +1374,7 @@
               <a:rPr lang="en-US"/>
               <a:t>Third level</a:t>
             </a:r>
+            <a:endParaRPr lang="en-US"/>
           </a:p>
           <a:p>
             <a:pPr lvl="3"/>
@@ -1437,6 +1382,7 @@
               <a:rPr lang="en-US"/>
               <a:t>Fourth level</a:t>
             </a:r>
+            <a:endParaRPr lang="en-US"/>
           </a:p>
           <a:p>
             <a:pPr lvl="4"/>
@@ -1444,6 +1390,7 @@
               <a:rPr lang="en-US"/>
               <a:t>Fifth level</a:t>
             </a:r>
+            <a:endParaRPr lang="en-US"/>
           </a:p>
         </p:txBody>
       </p:sp>
@@ -1451,7 +1398,7 @@
         <p:nvSpPr>
           <p:cNvPr id="4" name="Content Placeholder 3"/>
           <p:cNvSpPr>
-            <a:spLocks noGrp="1"/>
+            <a:spLocks noGrp="true"/>
           </p:cNvSpPr>
           <p:nvPr>
             <p:ph sz="half" idx="2"/>
@@ -1472,6 +1419,7 @@
               <a:rPr lang="en-US"/>
               <a:t>Click to edit Master text styles</a:t>
             </a:r>
+            <a:endParaRPr lang="en-US"/>
           </a:p>
           <a:p>
             <a:pPr lvl="1"/>
@@ -1479,6 +1427,7 @@
               <a:rPr lang="en-US"/>
               <a:t>Second level</a:t>
             </a:r>
+            <a:endParaRPr lang="en-US"/>
           </a:p>
           <a:p>
             <a:pPr lvl="2"/>
@@ -1486,6 +1435,7 @@
               <a:rPr lang="en-US"/>
               <a:t>Third level</a:t>
             </a:r>
+            <a:endParaRPr lang="en-US"/>
           </a:p>
           <a:p>
             <a:pPr lvl="3"/>
@@ -1493,6 +1443,7 @@
               <a:rPr lang="en-US"/>
               <a:t>Fourth level</a:t>
             </a:r>
+            <a:endParaRPr lang="en-US"/>
           </a:p>
           <a:p>
             <a:pPr lvl="4"/>
@@ -1500,6 +1451,7 @@
               <a:rPr lang="en-US"/>
               <a:t>Fifth level</a:t>
             </a:r>
+            <a:endParaRPr lang="en-US"/>
           </a:p>
         </p:txBody>
       </p:sp>
@@ -1507,15 +1459,13 @@
         <p:nvSpPr>
           <p:cNvPr id="6" name="Rectangle 4"/>
           <p:cNvSpPr>
-            <a:spLocks noGrp="1" noChangeArrowheads="1"/>
+            <a:spLocks noGrp="true" noChangeArrowheads="true"/>
           </p:cNvSpPr>
           <p:nvPr>
             <p:ph type="sldNum" sz="quarter" idx="11"/>
           </p:nvPr>
         </p:nvSpPr>
-        <p:spPr>
-          <a:ln/>
-        </p:spPr>
+        <p:spPr/>
         <p:txBody>
           <a:bodyPr/>
           <a:lstStyle>
@@ -1529,10 +1479,6 @@
             </a:pPr>
             <a:fld id="{A86CC632-9864-46F1-8EAB-FCD3BB9CEC9A}" type="slidenum">
               <a:rPr lang="en-US"/>
-              <a:pPr>
-                <a:defRPr/>
-              </a:pPr>
-              <a:t>‹#›</a:t>
             </a:fld>
             <a:endParaRPr lang="en-US" dirty="0"/>
           </a:p>
@@ -1542,15 +1488,13 @@
         <p:nvSpPr>
           <p:cNvPr id="7" name="Rectangle 5"/>
           <p:cNvSpPr>
-            <a:spLocks noGrp="1" noChangeArrowheads="1"/>
+            <a:spLocks noGrp="true" noChangeArrowheads="true"/>
           </p:cNvSpPr>
           <p:nvPr>
             <p:ph type="ftr" sz="quarter" idx="12"/>
           </p:nvPr>
         </p:nvSpPr>
-        <p:spPr>
-          <a:ln/>
-        </p:spPr>
+        <p:spPr/>
         <p:txBody>
           <a:bodyPr/>
           <a:lstStyle>
@@ -1566,6 +1510,7 @@
               <a:rPr lang="en-US" dirty="0"/>
               <a:t>Copyright © 2017 Elephant Scale. All rights reserved.</a:t>
             </a:r>
+            <a:endParaRPr lang="en-US" dirty="0"/>
           </a:p>
         </p:txBody>
       </p:sp>
@@ -1606,7 +1551,7 @@
         <p:nvSpPr>
           <p:cNvPr id="1026" name="Rectangle 2"/>
           <p:cNvSpPr>
-            <a:spLocks noGrp="1" noChangeArrowheads="1"/>
+            <a:spLocks noGrp="true" noChangeArrowheads="true"/>
           </p:cNvSpPr>
           <p:nvPr>
             <p:ph type="body" idx="1"/>
@@ -1624,15 +1569,10 @@
           <a:ln w="9525">
             <a:noFill/>
             <a:miter lim="800000"/>
-            <a:headEnd/>
-            <a:tailEnd/>
           </a:ln>
         </p:spPr>
         <p:txBody>
-          <a:bodyPr vert="horz" wrap="square" lIns="92007" tIns="46005" rIns="92007" bIns="46005" numCol="1" anchor="t" anchorCtr="0" compatLnSpc="1">
-            <a:prstTxWarp prst="textNoShape">
-              <a:avLst/>
-            </a:prstTxWarp>
+          <a:bodyPr vert="horz" wrap="square" lIns="92007" tIns="46005" rIns="92007" bIns="46005" numCol="1" anchor="t" anchorCtr="false" compatLnSpc="true">
             <a:normAutofit/>
           </a:bodyPr>
           <a:lstStyle/>
@@ -1642,6 +1582,7 @@
               <a:rPr lang="en-US" dirty="0"/>
               <a:t>Click to edit Master text styles</a:t>
             </a:r>
+            <a:endParaRPr lang="en-US" dirty="0"/>
           </a:p>
           <a:p>
             <a:pPr lvl="1"/>
@@ -1649,6 +1590,7 @@
               <a:rPr lang="en-US" dirty="0"/>
               <a:t>Second level</a:t>
             </a:r>
+            <a:endParaRPr lang="en-US" dirty="0"/>
           </a:p>
           <a:p>
             <a:pPr lvl="2"/>
@@ -1656,6 +1598,7 @@
               <a:rPr lang="en-US" dirty="0"/>
               <a:t>Third level</a:t>
             </a:r>
+            <a:endParaRPr lang="en-US" dirty="0"/>
           </a:p>
           <a:p>
             <a:pPr lvl="3"/>
@@ -1663,6 +1606,7 @@
               <a:rPr lang="en-US" dirty="0"/>
               <a:t>Fourth level</a:t>
             </a:r>
+            <a:endParaRPr lang="en-US" dirty="0"/>
           </a:p>
           <a:p>
             <a:pPr lvl="4"/>
@@ -1670,6 +1614,7 @@
               <a:rPr lang="en-US" dirty="0"/>
               <a:t>Fifth level</a:t>
             </a:r>
+            <a:endParaRPr lang="en-US" dirty="0"/>
           </a:p>
         </p:txBody>
       </p:sp>
@@ -1677,7 +1622,7 @@
         <p:nvSpPr>
           <p:cNvPr id="1103876" name="Rectangle 4"/>
           <p:cNvSpPr>
-            <a:spLocks noGrp="1" noChangeArrowheads="1"/>
+            <a:spLocks noGrp="true" noChangeArrowheads="true"/>
           </p:cNvSpPr>
           <p:nvPr>
             <p:ph type="sldNum" sz="quarter" idx="4"/>
@@ -1695,26 +1640,20 @@
           <a:ln w="9525">
             <a:noFill/>
             <a:miter lim="800000"/>
-            <a:headEnd/>
-            <a:tailEnd/>
           </a:ln>
           <a:effectLst/>
         </p:spPr>
         <p:txBody>
-          <a:bodyPr vert="horz" wrap="square" lIns="0" tIns="0" rIns="0" bIns="0" numCol="1" anchor="b" anchorCtr="0" compatLnSpc="1">
-            <a:prstTxWarp prst="textNoShape">
-              <a:avLst/>
-            </a:prstTxWarp>
-          </a:bodyPr>
+          <a:bodyPr vert="horz" wrap="square" lIns="0" tIns="0" rIns="0" bIns="0" numCol="1" anchor="b" anchorCtr="false" compatLnSpc="true"/>
           <a:lstStyle>
             <a:lvl1pPr algn="r" eaLnBrk="0" hangingPunct="0">
               <a:defRPr b="1">
                 <a:solidFill>
                   <a:srgbClr val="000000"/>
                 </a:solidFill>
-                <a:latin typeface="Arial" charset="0"/>
-                <a:ea typeface="ＭＳ Ｐゴシック" charset="0"/>
-                <a:cs typeface="ＭＳ Ｐゴシック" charset="0"/>
+                <a:latin typeface="Arial" panose="020B0604020202020204" pitchFamily="34" charset="0"/>
+                <a:ea typeface="MS PGothic" charset="0"/>
+                <a:cs typeface="MS PGothic" charset="0"/>
               </a:defRPr>
             </a:lvl1pPr>
           </a:lstStyle>
@@ -1724,10 +1663,6 @@
             </a:pPr>
             <a:fld id="{77EF9825-4C23-4085-A4E3-B5565466BD91}" type="slidenum">
               <a:rPr lang="en-US"/>
-              <a:pPr>
-                <a:defRPr/>
-              </a:pPr>
-              <a:t>‹#›</a:t>
             </a:fld>
             <a:endParaRPr lang="en-US" dirty="0"/>
           </a:p>
@@ -1737,7 +1672,7 @@
         <p:nvSpPr>
           <p:cNvPr id="1103877" name="Rectangle 5"/>
           <p:cNvSpPr>
-            <a:spLocks noGrp="1" noChangeArrowheads="1"/>
+            <a:spLocks noGrp="true" noChangeArrowheads="true"/>
           </p:cNvSpPr>
           <p:nvPr>
             <p:ph type="ftr" sz="quarter" idx="3"/>
@@ -1755,16 +1690,11 @@
           <a:ln w="9525">
             <a:noFill/>
             <a:miter lim="800000"/>
-            <a:headEnd/>
-            <a:tailEnd/>
           </a:ln>
           <a:effectLst/>
         </p:spPr>
         <p:txBody>
-          <a:bodyPr vert="horz" wrap="square" lIns="0" tIns="0" rIns="0" bIns="0" numCol="1" anchor="t" anchorCtr="0" compatLnSpc="1">
-            <a:prstTxWarp prst="textNoShape">
-              <a:avLst/>
-            </a:prstTxWarp>
+          <a:bodyPr vert="horz" wrap="square" lIns="0" tIns="0" rIns="0" bIns="0" numCol="1" anchor="t" anchorCtr="false" compatLnSpc="true">
             <a:spAutoFit/>
           </a:bodyPr>
           <a:lstStyle>
@@ -1790,19 +1720,20 @@
               <a:rPr lang="en-US" dirty="0"/>
               <a:t>Copyright © 2017 Elephant Scale. All rights reserved.</a:t>
             </a:r>
+            <a:endParaRPr lang="en-US" dirty="0"/>
           </a:p>
         </p:txBody>
       </p:sp>
       <p:pic>
         <p:nvPicPr>
           <p:cNvPr id="1030" name="Picture 6"/>
-          <p:cNvPicPr preferRelativeResize="0">
-            <a:picLocks noChangeArrowheads="1"/>
+          <p:cNvPicPr preferRelativeResize="false">
+            <a:picLocks noChangeArrowheads="true"/>
           </p:cNvPicPr>
           <p:nvPr/>
         </p:nvPicPr>
         <p:blipFill>
-          <a:blip r:embed="rId6"/>
+          <a:blip r:embed="rId5"/>
           <a:srcRect/>
           <a:stretch>
             <a:fillRect/>
@@ -1829,7 +1760,7 @@
         <p:nvSpPr>
           <p:cNvPr id="1031" name="Rectangle 7"/>
           <p:cNvSpPr>
-            <a:spLocks noGrp="1" noChangeArrowheads="1"/>
+            <a:spLocks noGrp="true" noChangeArrowheads="true"/>
           </p:cNvSpPr>
           <p:nvPr>
             <p:ph type="title"/>
@@ -1849,16 +1780,10 @@
           <a:ln w="9525">
             <a:noFill/>
             <a:miter lim="800000"/>
-            <a:headEnd/>
-            <a:tailEnd/>
           </a:ln>
         </p:spPr>
         <p:txBody>
-          <a:bodyPr vert="horz" wrap="square" lIns="92007" tIns="46005" rIns="92007" bIns="46005" numCol="1" anchor="b" anchorCtr="0" compatLnSpc="1">
-            <a:prstTxWarp prst="textNoShape">
-              <a:avLst/>
-            </a:prstTxWarp>
-          </a:bodyPr>
+          <a:bodyPr vert="horz" wrap="square" lIns="92007" tIns="46005" rIns="92007" bIns="46005" numCol="1" anchor="b" anchorCtr="false" compatLnSpc="true"/>
           <a:lstStyle/>
           <a:p>
             <a:pPr lvl="0"/>
@@ -1866,6 +1791,7 @@
               <a:rPr lang="en-US" dirty="0"/>
               <a:t>Click to edit Master title style</a:t>
             </a:r>
+            <a:endParaRPr lang="en-US" dirty="0"/>
           </a:p>
         </p:txBody>
       </p:sp>
@@ -1873,10 +1799,10 @@
   </p:cSld>
   <p:clrMap bg1="dk2" tx1="lt1" bg2="dk1" tx2="lt2" accent1="accent1" accent2="accent2" accent3="accent3" accent4="accent4" accent5="accent5" accent6="accent6" hlink="hlink" folHlink="folHlink"/>
   <p:sldLayoutIdLst>
-    <p:sldLayoutId id="2147483656" r:id="rId1"/>
-    <p:sldLayoutId id="2147483655" r:id="rId2"/>
-    <p:sldLayoutId id="2147483654" r:id="rId3"/>
-    <p:sldLayoutId id="2147483653" r:id="rId4"/>
+    <p:sldLayoutId id="2147483649" r:id="rId1"/>
+    <p:sldLayoutId id="2147483650" r:id="rId2"/>
+    <p:sldLayoutId id="2147483651" r:id="rId3"/>
+    <p:sldLayoutId id="2147483652" r:id="rId4"/>
   </p:sldLayoutIdLst>
   <p:hf hdr="0" dt="0"/>
   <p:txStyles>
@@ -1893,8 +1819,8 @@
             <a:schemeClr val="tx1"/>
           </a:solidFill>
           <a:latin typeface="+mj-lt"/>
-          <a:ea typeface="ＭＳ Ｐゴシック" pitchFamily="-110" charset="-128"/>
-          <a:cs typeface="ＭＳ Ｐゴシック" pitchFamily="-110" charset="-128"/>
+          <a:ea typeface="MS PGothic" pitchFamily="-110" charset="-128"/>
+          <a:cs typeface="MS PGothic" pitchFamily="-110" charset="-128"/>
         </a:defRPr>
       </a:lvl1pPr>
       <a:lvl2pPr algn="l" rtl="0" eaLnBrk="0" fontAlgn="base" hangingPunct="0">
@@ -1908,9 +1834,9 @@
           <a:solidFill>
             <a:schemeClr val="tx1"/>
           </a:solidFill>
-          <a:latin typeface="Verdana" pitchFamily="-110" charset="0"/>
-          <a:ea typeface="ＭＳ Ｐゴシック" pitchFamily="-110" charset="-128"/>
-          <a:cs typeface="ＭＳ Ｐゴシック" pitchFamily="-110" charset="-128"/>
+          <a:latin typeface="Verdana" panose="020B0604030504040204" pitchFamily="-110" charset="0"/>
+          <a:ea typeface="MS PGothic" pitchFamily="-110" charset="-128"/>
+          <a:cs typeface="MS PGothic" pitchFamily="-110" charset="-128"/>
         </a:defRPr>
       </a:lvl2pPr>
       <a:lvl3pPr algn="l" rtl="0" eaLnBrk="0" fontAlgn="base" hangingPunct="0">
@@ -1924,9 +1850,9 @@
           <a:solidFill>
             <a:schemeClr val="tx1"/>
           </a:solidFill>
-          <a:latin typeface="Verdana" pitchFamily="-110" charset="0"/>
-          <a:ea typeface="ＭＳ Ｐゴシック" pitchFamily="-110" charset="-128"/>
-          <a:cs typeface="ＭＳ Ｐゴシック" pitchFamily="-110" charset="-128"/>
+          <a:latin typeface="Verdana" panose="020B0604030504040204" pitchFamily="-110" charset="0"/>
+          <a:ea typeface="MS PGothic" pitchFamily="-110" charset="-128"/>
+          <a:cs typeface="MS PGothic" pitchFamily="-110" charset="-128"/>
         </a:defRPr>
       </a:lvl3pPr>
       <a:lvl4pPr algn="l" rtl="0" eaLnBrk="0" fontAlgn="base" hangingPunct="0">
@@ -1940,9 +1866,9 @@
           <a:solidFill>
             <a:schemeClr val="tx1"/>
           </a:solidFill>
-          <a:latin typeface="Verdana" pitchFamily="-110" charset="0"/>
-          <a:ea typeface="ＭＳ Ｐゴシック" pitchFamily="-110" charset="-128"/>
-          <a:cs typeface="ＭＳ Ｐゴシック" pitchFamily="-110" charset="-128"/>
+          <a:latin typeface="Verdana" panose="020B0604030504040204" pitchFamily="-110" charset="0"/>
+          <a:ea typeface="MS PGothic" pitchFamily="-110" charset="-128"/>
+          <a:cs typeface="MS PGothic" pitchFamily="-110" charset="-128"/>
         </a:defRPr>
       </a:lvl4pPr>
       <a:lvl5pPr algn="l" rtl="0" eaLnBrk="0" fontAlgn="base" hangingPunct="0">
@@ -1956,9 +1882,9 @@
           <a:solidFill>
             <a:schemeClr val="tx1"/>
           </a:solidFill>
-          <a:latin typeface="Verdana" pitchFamily="-110" charset="0"/>
-          <a:ea typeface="ＭＳ Ｐゴシック" pitchFamily="-110" charset="-128"/>
-          <a:cs typeface="ＭＳ Ｐゴシック" pitchFamily="-110" charset="-128"/>
+          <a:latin typeface="Verdana" panose="020B0604030504040204" pitchFamily="-110" charset="0"/>
+          <a:ea typeface="MS PGothic" pitchFamily="-110" charset="-128"/>
+          <a:cs typeface="MS PGothic" pitchFamily="-110" charset="-128"/>
         </a:defRPr>
       </a:lvl5pPr>
       <a:lvl6pPr marL="457200" algn="l" rtl="0" eaLnBrk="0" fontAlgn="base" hangingPunct="0">
@@ -1972,7 +1898,7 @@
           <a:solidFill>
             <a:schemeClr val="tx1"/>
           </a:solidFill>
-          <a:latin typeface="Verdana" pitchFamily="-110" charset="0"/>
+          <a:latin typeface="Verdana" panose="020B0604030504040204" pitchFamily="-110" charset="0"/>
         </a:defRPr>
       </a:lvl6pPr>
       <a:lvl7pPr marL="914400" algn="l" rtl="0" eaLnBrk="0" fontAlgn="base" hangingPunct="0">
@@ -1986,7 +1912,7 @@
           <a:solidFill>
             <a:schemeClr val="tx1"/>
           </a:solidFill>
-          <a:latin typeface="Verdana" pitchFamily="-110" charset="0"/>
+          <a:latin typeface="Verdana" panose="020B0604030504040204" pitchFamily="-110" charset="0"/>
         </a:defRPr>
       </a:lvl7pPr>
       <a:lvl8pPr marL="1371600" algn="l" rtl="0" eaLnBrk="0" fontAlgn="base" hangingPunct="0">
@@ -2000,7 +1926,7 @@
           <a:solidFill>
             <a:schemeClr val="tx1"/>
           </a:solidFill>
-          <a:latin typeface="Verdana" pitchFamily="-110" charset="0"/>
+          <a:latin typeface="Verdana" panose="020B0604030504040204" pitchFamily="-110" charset="0"/>
         </a:defRPr>
       </a:lvl8pPr>
       <a:lvl9pPr marL="1828800" algn="l" rtl="0" eaLnBrk="0" fontAlgn="base" hangingPunct="0">
@@ -2014,12 +1940,12 @@
           <a:solidFill>
             <a:schemeClr val="tx1"/>
           </a:solidFill>
-          <a:latin typeface="Verdana" pitchFamily="-110" charset="0"/>
+          <a:latin typeface="Verdana" panose="020B0604030504040204" pitchFamily="-110" charset="0"/>
         </a:defRPr>
       </a:lvl9pPr>
     </p:titleStyle>
     <p:bodyStyle>
-      <a:lvl1pPr marL="290513" indent="-290513" algn="l" rtl="0" eaLnBrk="0" fontAlgn="base" hangingPunct="0">
+      <a:lvl1pPr marL="290830" indent="-290830" algn="l" rtl="0" eaLnBrk="0" fontAlgn="base" hangingPunct="0">
         <a:spcBef>
           <a:spcPct val="20000"/>
         </a:spcBef>
@@ -2030,18 +1956,18 @@
           <a:schemeClr val="tx2"/>
         </a:buClr>
         <a:buSzPct val="65000"/>
-        <a:buFont typeface="Wingdings" pitchFamily="2" charset="2"/>
+        <a:buFont typeface="Wingdings" panose="05000000000000000000" pitchFamily="2" charset="2"/>
         <a:buChar char=""/>
         <a:defRPr sz="2400">
           <a:solidFill>
             <a:srgbClr val="000000"/>
           </a:solidFill>
           <a:latin typeface="+mn-lt"/>
-          <a:ea typeface="ＭＳ Ｐゴシック" pitchFamily="-110" charset="-128"/>
-          <a:cs typeface="ＭＳ Ｐゴシック" pitchFamily="-110" charset="-128"/>
+          <a:ea typeface="MS PGothic" pitchFamily="-110" charset="-128"/>
+          <a:cs typeface="MS PGothic" pitchFamily="-110" charset="-128"/>
         </a:defRPr>
       </a:lvl1pPr>
-      <a:lvl2pPr marL="633413" indent="-228600" algn="l" rtl="0" eaLnBrk="0" fontAlgn="base" hangingPunct="0">
+      <a:lvl2pPr marL="633730" indent="-228600" algn="l" rtl="0" eaLnBrk="0" fontAlgn="base" hangingPunct="0">
         <a:spcBef>
           <a:spcPct val="20000"/>
         </a:spcBef>
@@ -2057,11 +1983,11 @@
             <a:srgbClr val="000000"/>
           </a:solidFill>
           <a:latin typeface="+mn-lt"/>
-          <a:ea typeface="ＭＳ Ｐゴシック" pitchFamily="-110" charset="-128"/>
-          <a:cs typeface="ＭＳ Ｐゴシック"/>
+          <a:ea typeface="MS PGothic" pitchFamily="-110" charset="-128"/>
+          <a:cs typeface="MS PGothic"/>
         </a:defRPr>
       </a:lvl2pPr>
-      <a:lvl3pPr marL="969963" indent="-222250" algn="l" rtl="0" eaLnBrk="0" fontAlgn="base" hangingPunct="0">
+      <a:lvl3pPr marL="970280" indent="-222250" algn="l" rtl="0" eaLnBrk="0" fontAlgn="base" hangingPunct="0">
         <a:spcBef>
           <a:spcPct val="20000"/>
         </a:spcBef>
@@ -2074,11 +2000,11 @@
             <a:srgbClr val="000000"/>
           </a:solidFill>
           <a:latin typeface="+mn-lt"/>
-          <a:ea typeface="ＭＳ Ｐゴシック" pitchFamily="-110" charset="-128"/>
-          <a:cs typeface="ＭＳ Ｐゴシック"/>
+          <a:ea typeface="MS PGothic" pitchFamily="-110" charset="-128"/>
+          <a:cs typeface="MS PGothic"/>
         </a:defRPr>
       </a:lvl3pPr>
-      <a:lvl4pPr marL="1258888" indent="-228600" algn="l" rtl="0" eaLnBrk="0" fontAlgn="base" hangingPunct="0">
+      <a:lvl4pPr marL="1259205" indent="-228600" algn="l" rtl="0" eaLnBrk="0" fontAlgn="base" hangingPunct="0">
         <a:spcBef>
           <a:spcPct val="0"/>
         </a:spcBef>
@@ -2096,11 +2022,11 @@
             <a:srgbClr val="000000"/>
           </a:solidFill>
           <a:latin typeface="+mn-lt"/>
-          <a:ea typeface="ＭＳ Ｐゴシック" pitchFamily="-110" charset="-128"/>
-          <a:cs typeface="ＭＳ Ｐゴシック"/>
+          <a:ea typeface="MS PGothic" pitchFamily="-110" charset="-128"/>
+          <a:cs typeface="MS PGothic"/>
         </a:defRPr>
       </a:lvl4pPr>
-      <a:lvl5pPr marL="2055813" indent="-230188" algn="l" rtl="0" eaLnBrk="0" fontAlgn="base" hangingPunct="0">
+      <a:lvl5pPr marL="2056130" indent="-230505" algn="l" rtl="0" eaLnBrk="0" fontAlgn="base" hangingPunct="0">
         <a:spcBef>
           <a:spcPct val="20000"/>
         </a:spcBef>
@@ -2114,12 +2040,12 @@
           <a:solidFill>
             <a:schemeClr val="tx1"/>
           </a:solidFill>
-          <a:latin typeface="Times New Roman" pitchFamily="-110" charset="0"/>
-          <a:ea typeface="ＭＳ Ｐゴシック" pitchFamily="-110" charset="-128"/>
-          <a:cs typeface="ＭＳ Ｐゴシック"/>
+          <a:latin typeface="Times New Roman" panose="02020603050405020304" charset="0"/>
+          <a:ea typeface="MS PGothic" pitchFamily="-110" charset="-128"/>
+          <a:cs typeface="MS PGothic"/>
         </a:defRPr>
       </a:lvl5pPr>
-      <a:lvl6pPr marL="2513013" indent="-230188" algn="l" rtl="0" eaLnBrk="0" fontAlgn="base" hangingPunct="0">
+      <a:lvl6pPr marL="2513330" indent="-230505" algn="l" rtl="0" eaLnBrk="0" fontAlgn="base" hangingPunct="0">
         <a:spcBef>
           <a:spcPct val="20000"/>
         </a:spcBef>
@@ -2133,11 +2059,11 @@
           <a:solidFill>
             <a:schemeClr val="tx1"/>
           </a:solidFill>
-          <a:latin typeface="Times New Roman" pitchFamily="-110" charset="0"/>
-          <a:ea typeface="ＭＳ Ｐゴシック" pitchFamily="-110" charset="-128"/>
+          <a:latin typeface="Times New Roman" panose="02020603050405020304" charset="0"/>
+          <a:ea typeface="MS PGothic" pitchFamily="-110" charset="-128"/>
         </a:defRPr>
       </a:lvl6pPr>
-      <a:lvl7pPr marL="2970213" indent="-230188" algn="l" rtl="0" eaLnBrk="0" fontAlgn="base" hangingPunct="0">
+      <a:lvl7pPr marL="2970530" indent="-230505" algn="l" rtl="0" eaLnBrk="0" fontAlgn="base" hangingPunct="0">
         <a:spcBef>
           <a:spcPct val="20000"/>
         </a:spcBef>
@@ -2151,11 +2077,11 @@
           <a:solidFill>
             <a:schemeClr val="tx1"/>
           </a:solidFill>
-          <a:latin typeface="Times New Roman" pitchFamily="-110" charset="0"/>
-          <a:ea typeface="ＭＳ Ｐゴシック" pitchFamily="-110" charset="-128"/>
+          <a:latin typeface="Times New Roman" panose="02020603050405020304" charset="0"/>
+          <a:ea typeface="MS PGothic" pitchFamily="-110" charset="-128"/>
         </a:defRPr>
       </a:lvl7pPr>
-      <a:lvl8pPr marL="3427413" indent="-230188" algn="l" rtl="0" eaLnBrk="0" fontAlgn="base" hangingPunct="0">
+      <a:lvl8pPr marL="3427730" indent="-230505" algn="l" rtl="0" eaLnBrk="0" fontAlgn="base" hangingPunct="0">
         <a:spcBef>
           <a:spcPct val="20000"/>
         </a:spcBef>
@@ -2169,11 +2095,11 @@
           <a:solidFill>
             <a:schemeClr val="tx1"/>
           </a:solidFill>
-          <a:latin typeface="Times New Roman" pitchFamily="-110" charset="0"/>
-          <a:ea typeface="ＭＳ Ｐゴシック" pitchFamily="-110" charset="-128"/>
+          <a:latin typeface="Times New Roman" panose="02020603050405020304" charset="0"/>
+          <a:ea typeface="MS PGothic" pitchFamily="-110" charset="-128"/>
         </a:defRPr>
       </a:lvl8pPr>
-      <a:lvl9pPr marL="3884613" indent="-230188" algn="l" rtl="0" eaLnBrk="0" fontAlgn="base" hangingPunct="0">
+      <a:lvl9pPr marL="3884930" indent="-230505" algn="l" rtl="0" eaLnBrk="0" fontAlgn="base" hangingPunct="0">
         <a:spcBef>
           <a:spcPct val="20000"/>
         </a:spcBef>
@@ -2187,8 +2113,8 @@
           <a:solidFill>
             <a:schemeClr val="tx1"/>
           </a:solidFill>
-          <a:latin typeface="Times New Roman" pitchFamily="-110" charset="0"/>
-          <a:ea typeface="ＭＳ Ｐゴシック" pitchFamily="-110" charset="-128"/>
+          <a:latin typeface="Times New Roman" panose="02020603050405020304" charset="0"/>
+          <a:ea typeface="MS PGothic" pitchFamily="-110" charset="-128"/>
         </a:defRPr>
       </a:lvl9pPr>
     </p:bodyStyle>
@@ -2300,19 +2226,12 @@
         <p:cNvGrpSpPr/>
         <p:nvPr/>
       </p:nvGrpSpPr>
-      <p:grpSpPr>
-        <a:xfrm>
-          <a:off x="0" y="0"/>
-          <a:ext cx="0" cy="0"/>
-          <a:chOff x="0" y="0"/>
-          <a:chExt cx="0" cy="0"/>
-        </a:xfrm>
-      </p:grpSpPr>
+      <p:grpSpPr/>
       <p:sp>
         <p:nvSpPr>
           <p:cNvPr id="2" name="Subtitle 1"/>
           <p:cNvSpPr>
-            <a:spLocks noGrp="1"/>
+            <a:spLocks noGrp="true"/>
           </p:cNvSpPr>
           <p:nvPr>
             <p:ph type="subTitle" sz="quarter" idx="1"/>
@@ -2322,16 +2241,14 @@
         <p:txBody>
           <a:bodyPr/>
           <a:lstStyle/>
-          <a:p>
-            <a:endParaRPr/>
-          </a:p>
+          <a:p/>
         </p:txBody>
       </p:sp>
       <p:sp>
         <p:nvSpPr>
           <p:cNvPr id="3" name="Title 2"/>
           <p:cNvSpPr>
-            <a:spLocks noGrp="1"/>
+            <a:spLocks noGrp="true"/>
           </p:cNvSpPr>
           <p:nvPr>
             <p:ph type="ctrTitle" sz="quarter"/>
@@ -2354,7 +2271,7 @@
       <p:sp>
         <p:nvSpPr>
           <p:cNvPr id="4" name="TextBox 3"/>
-          <p:cNvSpPr txBox="1"/>
+          <p:cNvSpPr txBox="true"/>
           <p:nvPr/>
         </p:nvSpPr>
         <p:spPr>
@@ -2381,6 +2298,11 @@
               </a:rPr>
               <a:t>Copyright © 2021 by Elephant Scale, All Rights Reserved</a:t>
             </a:r>
+            <a:endParaRPr sz="800">
+              <a:solidFill>
+                <a:srgbClr val="000000"/>
+              </a:solidFill>
+            </a:endParaRPr>
           </a:p>
         </p:txBody>
       </p:sp>
@@ -2401,19 +2323,12 @@
         <p:cNvGrpSpPr/>
         <p:nvPr/>
       </p:nvGrpSpPr>
-      <p:grpSpPr>
-        <a:xfrm>
-          <a:off x="0" y="0"/>
-          <a:ext cx="0" cy="0"/>
-          <a:chOff x="0" y="0"/>
-          <a:chExt cx="0" cy="0"/>
-        </a:xfrm>
-      </p:grpSpPr>
+      <p:grpSpPr/>
       <p:sp>
         <p:nvSpPr>
           <p:cNvPr id="2" name="Title 1"/>
           <p:cNvSpPr>
-            <a:spLocks noGrp="1"/>
+            <a:spLocks noGrp="true"/>
           </p:cNvSpPr>
           <p:nvPr>
             <p:ph type="title"/>
@@ -2434,7 +2349,7 @@
         <p:nvSpPr>
           <p:cNvPr id="3" name="Content Placeholder 2"/>
           <p:cNvSpPr>
-            <a:spLocks noGrp="1"/>
+            <a:spLocks noGrp="true"/>
           </p:cNvSpPr>
           <p:nvPr>
             <p:ph idx="1"/>
@@ -2484,7 +2399,7 @@
       <p:sp>
         <p:nvSpPr>
           <p:cNvPr id="4" name="TextBox 3"/>
-          <p:cNvSpPr txBox="1"/>
+          <p:cNvSpPr txBox="true"/>
           <p:nvPr/>
         </p:nvSpPr>
         <p:spPr>
@@ -2511,6 +2426,11 @@
               </a:rPr>
               <a:t>Copyright © 2021 by Elephant Scale, All Rights Reserved</a:t>
             </a:r>
+            <a:endParaRPr sz="800">
+              <a:solidFill>
+                <a:srgbClr val="000000"/>
+              </a:solidFill>
+            </a:endParaRPr>
           </a:p>
         </p:txBody>
       </p:sp>
@@ -2531,19 +2451,12 @@
         <p:cNvGrpSpPr/>
         <p:nvPr/>
       </p:nvGrpSpPr>
-      <p:grpSpPr>
-        <a:xfrm>
-          <a:off x="0" y="0"/>
-          <a:ext cx="0" cy="0"/>
-          <a:chOff x="0" y="0"/>
-          <a:chExt cx="0" cy="0"/>
-        </a:xfrm>
-      </p:grpSpPr>
+      <p:grpSpPr/>
       <p:sp>
         <p:nvSpPr>
           <p:cNvPr id="2" name="Title 1"/>
           <p:cNvSpPr>
-            <a:spLocks noGrp="1"/>
+            <a:spLocks noGrp="true"/>
           </p:cNvSpPr>
           <p:nvPr>
             <p:ph type="title"/>
@@ -2564,7 +2477,7 @@
         <p:nvSpPr>
           <p:cNvPr id="3" name="Content Placeholder 2"/>
           <p:cNvSpPr>
-            <a:spLocks noGrp="1"/>
+            <a:spLocks noGrp="true"/>
           </p:cNvSpPr>
           <p:nvPr>
             <p:ph idx="1"/>
@@ -2642,7 +2555,7 @@
       <p:sp>
         <p:nvSpPr>
           <p:cNvPr id="4" name="TextBox 3"/>
-          <p:cNvSpPr txBox="1"/>
+          <p:cNvSpPr txBox="true"/>
           <p:nvPr/>
         </p:nvSpPr>
         <p:spPr>
@@ -2669,6 +2582,11 @@
               </a:rPr>
               <a:t>Copyright © 2021 by Elephant Scale, All Rights Reserved</a:t>
             </a:r>
+            <a:endParaRPr sz="800">
+              <a:solidFill>
+                <a:srgbClr val="000000"/>
+              </a:solidFill>
+            </a:endParaRPr>
           </a:p>
         </p:txBody>
       </p:sp>
@@ -2689,19 +2607,12 @@
         <p:cNvGrpSpPr/>
         <p:nvPr/>
       </p:nvGrpSpPr>
-      <p:grpSpPr>
-        <a:xfrm>
-          <a:off x="0" y="0"/>
-          <a:ext cx="0" cy="0"/>
-          <a:chOff x="0" y="0"/>
-          <a:chExt cx="0" cy="0"/>
-        </a:xfrm>
-      </p:grpSpPr>
+      <p:grpSpPr/>
       <p:sp>
         <p:nvSpPr>
           <p:cNvPr id="2" name="Title 1"/>
           <p:cNvSpPr>
-            <a:spLocks noGrp="1"/>
+            <a:spLocks noGrp="true"/>
           </p:cNvSpPr>
           <p:nvPr>
             <p:ph type="title"/>
@@ -2722,7 +2633,7 @@
         <p:nvSpPr>
           <p:cNvPr id="3" name="Content Placeholder 2"/>
           <p:cNvSpPr>
-            <a:spLocks noGrp="1"/>
+            <a:spLocks noGrp="true"/>
           </p:cNvSpPr>
           <p:nvPr>
             <p:ph idx="1"/>
@@ -2732,39 +2643,21 @@
         <p:txBody>
           <a:bodyPr/>
           <a:lstStyle/>
-          <a:p>
-            <a:endParaRPr/>
-          </a:p>
-          <a:p>
-            <a:endParaRPr/>
-          </a:p>
-          <a:p>
-            <a:endParaRPr/>
-          </a:p>
-          <a:p>
-            <a:endParaRPr/>
-          </a:p>
-          <a:p>
-            <a:endParaRPr/>
-          </a:p>
-          <a:p>
-            <a:endParaRPr/>
-          </a:p>
-          <a:p>
-            <a:endParaRPr/>
-          </a:p>
-          <a:p>
-            <a:endParaRPr/>
-          </a:p>
-          <a:p>
-            <a:endParaRPr/>
-          </a:p>
+          <a:p/>
+          <a:p/>
+          <a:p/>
+          <a:p/>
+          <a:p/>
+          <a:p/>
+          <a:p/>
+          <a:p/>
+          <a:p/>
         </p:txBody>
       </p:sp>
       <p:sp>
         <p:nvSpPr>
           <p:cNvPr id="4" name="TextBox 3"/>
-          <p:cNvSpPr txBox="1"/>
+          <p:cNvSpPr txBox="true"/>
           <p:nvPr/>
         </p:nvSpPr>
         <p:spPr>
@@ -2791,6 +2684,11 @@
               </a:rPr>
               <a:t>Copyright © 2021 by Elephant Scale, All Rights Reserved</a:t>
             </a:r>
+            <a:endParaRPr sz="800">
+              <a:solidFill>
+                <a:srgbClr val="000000"/>
+              </a:solidFill>
+            </a:endParaRPr>
           </a:p>
         </p:txBody>
       </p:sp>
@@ -2798,20 +2696,20 @@
         <p:nvPicPr>
           <p:cNvPr id="5" name="Picture 4" descr="vault-benefits.png"/>
           <p:cNvPicPr>
-            <a:picLocks noChangeAspect="1"/>
+            <a:picLocks noChangeAspect="true"/>
           </p:cNvPicPr>
           <p:nvPr/>
         </p:nvPicPr>
         <p:blipFill>
-          <a:blip r:embed="rId2"/>
+          <a:blip r:embed="rId1"/>
           <a:stretch>
             <a:fillRect/>
           </a:stretch>
         </p:blipFill>
         <p:spPr>
           <a:xfrm>
-            <a:off x="685038" y="2243930"/>
-            <a:ext cx="8351934" cy="3887801"/>
+            <a:off x="304800" y="1939925"/>
+            <a:ext cx="8832850" cy="4111625"/>
           </a:xfrm>
           <a:prstGeom prst="rect">
             <a:avLst/>
@@ -2835,19 +2733,12 @@
         <p:cNvGrpSpPr/>
         <p:nvPr/>
       </p:nvGrpSpPr>
-      <p:grpSpPr>
-        <a:xfrm>
-          <a:off x="0" y="0"/>
-          <a:ext cx="0" cy="0"/>
-          <a:chOff x="0" y="0"/>
-          <a:chExt cx="0" cy="0"/>
-        </a:xfrm>
-      </p:grpSpPr>
+      <p:grpSpPr/>
       <p:sp>
         <p:nvSpPr>
           <p:cNvPr id="2" name="Title 1"/>
           <p:cNvSpPr>
-            <a:spLocks noGrp="1"/>
+            <a:spLocks noGrp="true"/>
           </p:cNvSpPr>
           <p:nvPr>
             <p:ph type="title"/>
@@ -2868,7 +2759,7 @@
         <p:nvSpPr>
           <p:cNvPr id="3" name="Content Placeholder 2"/>
           <p:cNvSpPr>
-            <a:spLocks noGrp="1"/>
+            <a:spLocks noGrp="true"/>
           </p:cNvSpPr>
           <p:nvPr>
             <p:ph idx="1"/>
@@ -2878,39 +2769,21 @@
         <p:txBody>
           <a:bodyPr/>
           <a:lstStyle/>
-          <a:p>
-            <a:endParaRPr/>
-          </a:p>
-          <a:p>
-            <a:endParaRPr/>
-          </a:p>
-          <a:p>
-            <a:endParaRPr/>
-          </a:p>
-          <a:p>
-            <a:endParaRPr/>
-          </a:p>
-          <a:p>
-            <a:endParaRPr/>
-          </a:p>
-          <a:p>
-            <a:endParaRPr/>
-          </a:p>
-          <a:p>
-            <a:endParaRPr/>
-          </a:p>
-          <a:p>
-            <a:endParaRPr/>
-          </a:p>
-          <a:p>
-            <a:endParaRPr/>
-          </a:p>
+          <a:p/>
+          <a:p/>
+          <a:p/>
+          <a:p/>
+          <a:p/>
+          <a:p/>
+          <a:p/>
+          <a:p/>
+          <a:p/>
         </p:txBody>
       </p:sp>
       <p:sp>
         <p:nvSpPr>
           <p:cNvPr id="4" name="TextBox 3"/>
-          <p:cNvSpPr txBox="1"/>
+          <p:cNvSpPr txBox="true"/>
           <p:nvPr/>
         </p:nvSpPr>
         <p:spPr>
@@ -2937,6 +2810,11 @@
               </a:rPr>
               <a:t>Copyright © 2021 by Elephant Scale, All Rights Reserved</a:t>
             </a:r>
+            <a:endParaRPr sz="800">
+              <a:solidFill>
+                <a:srgbClr val="000000"/>
+              </a:solidFill>
+            </a:endParaRPr>
           </a:p>
         </p:txBody>
       </p:sp>
@@ -2944,19 +2822,19 @@
         <p:nvPicPr>
           <p:cNvPr id="5" name="Picture 4" descr="vault-solves.png"/>
           <p:cNvPicPr>
-            <a:picLocks noChangeAspect="1"/>
+            <a:picLocks noChangeAspect="true"/>
           </p:cNvPicPr>
           <p:nvPr/>
         </p:nvPicPr>
         <p:blipFill>
-          <a:blip r:embed="rId2"/>
+          <a:blip r:embed="rId1"/>
           <a:stretch>
             <a:fillRect/>
           </a:stretch>
         </p:blipFill>
         <p:spPr>
           <a:xfrm>
-            <a:off x="-23813" y="1329531"/>
+            <a:off x="50673" y="1304925"/>
             <a:ext cx="9321800" cy="5130800"/>
           </a:xfrm>
           <a:prstGeom prst="rect">
@@ -2981,19 +2859,12 @@
         <p:cNvGrpSpPr/>
         <p:nvPr/>
       </p:nvGrpSpPr>
-      <p:grpSpPr>
-        <a:xfrm>
-          <a:off x="0" y="0"/>
-          <a:ext cx="0" cy="0"/>
-          <a:chOff x="0" y="0"/>
-          <a:chExt cx="0" cy="0"/>
-        </a:xfrm>
-      </p:grpSpPr>
+      <p:grpSpPr/>
       <p:sp>
         <p:nvSpPr>
           <p:cNvPr id="2" name="Title 1"/>
           <p:cNvSpPr>
-            <a:spLocks noGrp="1"/>
+            <a:spLocks noGrp="true"/>
           </p:cNvSpPr>
           <p:nvPr>
             <p:ph type="title"/>
@@ -3014,7 +2885,7 @@
         <p:nvSpPr>
           <p:cNvPr id="3" name="Content Placeholder 2"/>
           <p:cNvSpPr>
-            <a:spLocks noGrp="1"/>
+            <a:spLocks noGrp="true"/>
           </p:cNvSpPr>
           <p:nvPr>
             <p:ph idx="1"/>
@@ -3069,7 +2940,7 @@
       <p:sp>
         <p:nvSpPr>
           <p:cNvPr id="4" name="TextBox 3"/>
-          <p:cNvSpPr txBox="1"/>
+          <p:cNvSpPr txBox="true"/>
           <p:nvPr/>
         </p:nvSpPr>
         <p:spPr>
@@ -3096,6 +2967,11 @@
               </a:rPr>
               <a:t>Copyright © 2021 by Elephant Scale, All Rights Reserved</a:t>
             </a:r>
+            <a:endParaRPr sz="800">
+              <a:solidFill>
+                <a:srgbClr val="000000"/>
+              </a:solidFill>
+            </a:endParaRPr>
           </a:p>
         </p:txBody>
       </p:sp>
@@ -3116,19 +2992,12 @@
         <p:cNvGrpSpPr/>
         <p:nvPr/>
       </p:nvGrpSpPr>
-      <p:grpSpPr>
-        <a:xfrm>
-          <a:off x="0" y="0"/>
-          <a:ext cx="0" cy="0"/>
-          <a:chOff x="0" y="0"/>
-          <a:chExt cx="0" cy="0"/>
-        </a:xfrm>
-      </p:grpSpPr>
+      <p:grpSpPr/>
       <p:sp>
         <p:nvSpPr>
           <p:cNvPr id="2" name="Title 1"/>
           <p:cNvSpPr>
-            <a:spLocks noGrp="1"/>
+            <a:spLocks noGrp="true"/>
           </p:cNvSpPr>
           <p:nvPr>
             <p:ph type="title"/>
@@ -3149,7 +3018,7 @@
         <p:nvSpPr>
           <p:cNvPr id="3" name="Content Placeholder 2"/>
           <p:cNvSpPr>
-            <a:spLocks noGrp="1"/>
+            <a:spLocks noGrp="true"/>
           </p:cNvSpPr>
           <p:nvPr>
             <p:ph idx="1"/>
@@ -3164,6 +3033,7 @@
               <a:rPr b="1"/>
               <a:t> Ephemeral access</a:t>
             </a:r>
+            <a:endParaRPr b="1"/>
           </a:p>
           <a:p>
             <a:pPr lvl="1"/>
@@ -3195,27 +3065,17 @@
               <a:t> Amazon keys is one such example (and it did happen to us!) </a:t>
             </a:r>
           </a:p>
-          <a:p>
-            <a:endParaRPr/>
-          </a:p>
-          <a:p>
-            <a:endParaRPr/>
-          </a:p>
-          <a:p>
-            <a:endParaRPr/>
-          </a:p>
-          <a:p>
-            <a:endParaRPr/>
-          </a:p>
-          <a:p>
-            <a:endParaRPr/>
-          </a:p>
+          <a:p/>
+          <a:p/>
+          <a:p/>
+          <a:p/>
+          <a:p/>
         </p:txBody>
       </p:sp>
       <p:sp>
         <p:nvSpPr>
           <p:cNvPr id="4" name="TextBox 3"/>
-          <p:cNvSpPr txBox="1"/>
+          <p:cNvSpPr txBox="true"/>
           <p:nvPr/>
         </p:nvSpPr>
         <p:spPr>
@@ -3242,6 +3102,11 @@
               </a:rPr>
               <a:t>Copyright © 2021 by Elephant Scale, All Rights Reserved</a:t>
             </a:r>
+            <a:endParaRPr sz="800">
+              <a:solidFill>
+                <a:srgbClr val="000000"/>
+              </a:solidFill>
+            </a:endParaRPr>
           </a:p>
         </p:txBody>
       </p:sp>
@@ -3249,20 +3114,20 @@
         <p:nvPicPr>
           <p:cNvPr id="5" name="Picture 4" descr="iam.png"/>
           <p:cNvPicPr>
-            <a:picLocks noChangeAspect="1"/>
+            <a:picLocks noChangeAspect="true"/>
           </p:cNvPicPr>
           <p:nvPr/>
         </p:nvPicPr>
         <p:blipFill>
-          <a:blip r:embed="rId2"/>
+          <a:blip r:embed="rId1"/>
           <a:stretch>
             <a:fillRect/>
           </a:stretch>
         </p:blipFill>
         <p:spPr>
           <a:xfrm>
-            <a:off x="952500" y="4148931"/>
-            <a:ext cx="7030212" cy="3492181"/>
+            <a:off x="704088" y="3880866"/>
+            <a:ext cx="7507224" cy="3729132"/>
           </a:xfrm>
           <a:prstGeom prst="rect">
             <a:avLst/>
@@ -3286,19 +3151,12 @@
         <p:cNvGrpSpPr/>
         <p:nvPr/>
       </p:nvGrpSpPr>
-      <p:grpSpPr>
-        <a:xfrm>
-          <a:off x="0" y="0"/>
-          <a:ext cx="0" cy="0"/>
-          <a:chOff x="0" y="0"/>
-          <a:chExt cx="0" cy="0"/>
-        </a:xfrm>
-      </p:grpSpPr>
+      <p:grpSpPr/>
       <p:sp>
         <p:nvSpPr>
           <p:cNvPr id="2" name="Title 1"/>
           <p:cNvSpPr>
-            <a:spLocks noGrp="1"/>
+            <a:spLocks noGrp="true"/>
           </p:cNvSpPr>
           <p:nvPr>
             <p:ph type="title"/>
@@ -3319,7 +3177,7 @@
         <p:nvSpPr>
           <p:cNvPr id="3" name="Content Placeholder 2"/>
           <p:cNvSpPr>
-            <a:spLocks noGrp="1"/>
+            <a:spLocks noGrp="true"/>
           </p:cNvSpPr>
           <p:nvPr>
             <p:ph idx="1"/>
@@ -3357,6 +3215,7 @@
               <a:rPr b="1"/>
               <a:t> "Dynamic secret"</a:t>
             </a:r>
+            <a:endParaRPr b="1"/>
           </a:p>
           <a:p>
             <a:pPr lvl="1"/>
@@ -3381,7 +3240,7 @@
       <p:sp>
         <p:nvSpPr>
           <p:cNvPr id="4" name="TextBox 3"/>
-          <p:cNvSpPr txBox="1"/>
+          <p:cNvSpPr txBox="true"/>
           <p:nvPr/>
         </p:nvSpPr>
         <p:spPr>
@@ -3408,6 +3267,11 @@
               </a:rPr>
               <a:t>Copyright © 2021 by Elephant Scale, All Rights Reserved</a:t>
             </a:r>
+            <a:endParaRPr sz="800">
+              <a:solidFill>
+                <a:srgbClr val="000000"/>
+              </a:solidFill>
+            </a:endParaRPr>
           </a:p>
         </p:txBody>
       </p:sp>
@@ -3428,19 +3292,12 @@
         <p:cNvGrpSpPr/>
         <p:nvPr/>
       </p:nvGrpSpPr>
-      <p:grpSpPr>
-        <a:xfrm>
-          <a:off x="0" y="0"/>
-          <a:ext cx="0" cy="0"/>
-          <a:chOff x="0" y="0"/>
-          <a:chExt cx="0" cy="0"/>
-        </a:xfrm>
-      </p:grpSpPr>
+      <p:grpSpPr/>
       <p:sp>
         <p:nvSpPr>
           <p:cNvPr id="2" name="Title 1"/>
           <p:cNvSpPr>
-            <a:spLocks noGrp="1"/>
+            <a:spLocks noGrp="true"/>
           </p:cNvSpPr>
           <p:nvPr>
             <p:ph type="title"/>
@@ -3461,7 +3318,7 @@
         <p:nvSpPr>
           <p:cNvPr id="3" name="Content Placeholder 2"/>
           <p:cNvSpPr>
-            <a:spLocks noGrp="1"/>
+            <a:spLocks noGrp="true"/>
           </p:cNvSpPr>
           <p:nvPr>
             <p:ph idx="1"/>
@@ -3545,7 +3402,7 @@
       <p:sp>
         <p:nvSpPr>
           <p:cNvPr id="4" name="TextBox 3"/>
-          <p:cNvSpPr txBox="1"/>
+          <p:cNvSpPr txBox="true"/>
           <p:nvPr/>
         </p:nvSpPr>
         <p:spPr>
@@ -3572,6 +3429,11 @@
               </a:rPr>
               <a:t>Copyright © 2021 by Elephant Scale, All Rights Reserved</a:t>
             </a:r>
+            <a:endParaRPr sz="800">
+              <a:solidFill>
+                <a:srgbClr val="000000"/>
+              </a:solidFill>
+            </a:endParaRPr>
           </a:p>
         </p:txBody>
       </p:sp>
@@ -3592,19 +3454,12 @@
         <p:cNvGrpSpPr/>
         <p:nvPr/>
       </p:nvGrpSpPr>
-      <p:grpSpPr>
-        <a:xfrm>
-          <a:off x="0" y="0"/>
-          <a:ext cx="0" cy="0"/>
-          <a:chOff x="0" y="0"/>
-          <a:chExt cx="0" cy="0"/>
-        </a:xfrm>
-      </p:grpSpPr>
+      <p:grpSpPr/>
       <p:sp>
         <p:nvSpPr>
           <p:cNvPr id="2" name="Title 1"/>
           <p:cNvSpPr>
-            <a:spLocks noGrp="1"/>
+            <a:spLocks noGrp="true"/>
           </p:cNvSpPr>
           <p:nvPr>
             <p:ph type="title"/>
@@ -3625,7 +3480,7 @@
         <p:nvSpPr>
           <p:cNvPr id="3" name="Content Placeholder 2"/>
           <p:cNvSpPr>
-            <a:spLocks noGrp="1"/>
+            <a:spLocks noGrp="true"/>
           </p:cNvSpPr>
           <p:nvPr>
             <p:ph idx="1"/>
@@ -3686,7 +3541,7 @@
       <p:sp>
         <p:nvSpPr>
           <p:cNvPr id="4" name="TextBox 3"/>
-          <p:cNvSpPr txBox="1"/>
+          <p:cNvSpPr txBox="true"/>
           <p:nvPr/>
         </p:nvSpPr>
         <p:spPr>
@@ -3713,6 +3568,11 @@
               </a:rPr>
               <a:t>Copyright © 2021 by Elephant Scale, All Rights Reserved</a:t>
             </a:r>
+            <a:endParaRPr sz="800">
+              <a:solidFill>
+                <a:srgbClr val="000000"/>
+              </a:solidFill>
+            </a:endParaRPr>
           </a:p>
         </p:txBody>
       </p:sp>
@@ -3733,19 +3593,12 @@
         <p:cNvGrpSpPr/>
         <p:nvPr/>
       </p:nvGrpSpPr>
-      <p:grpSpPr>
-        <a:xfrm>
-          <a:off x="0" y="0"/>
-          <a:ext cx="0" cy="0"/>
-          <a:chOff x="0" y="0"/>
-          <a:chExt cx="0" cy="0"/>
-        </a:xfrm>
-      </p:grpSpPr>
+      <p:grpSpPr/>
       <p:sp>
         <p:nvSpPr>
           <p:cNvPr id="2" name="Title 1"/>
           <p:cNvSpPr>
-            <a:spLocks noGrp="1"/>
+            <a:spLocks noGrp="true"/>
           </p:cNvSpPr>
           <p:nvPr>
             <p:ph type="title"/>
@@ -3766,7 +3619,7 @@
         <p:nvSpPr>
           <p:cNvPr id="3" name="Content Placeholder 2"/>
           <p:cNvSpPr>
-            <a:spLocks noGrp="1"/>
+            <a:spLocks noGrp="true"/>
           </p:cNvSpPr>
           <p:nvPr>
             <p:ph idx="1"/>
@@ -3857,7 +3710,7 @@
       <p:sp>
         <p:nvSpPr>
           <p:cNvPr id="4" name="TextBox 3"/>
-          <p:cNvSpPr txBox="1"/>
+          <p:cNvSpPr txBox="true"/>
           <p:nvPr/>
         </p:nvSpPr>
         <p:spPr>
@@ -3884,6 +3737,11 @@
               </a:rPr>
               <a:t>Copyright © 2021 by Elephant Scale, All Rights Reserved</a:t>
             </a:r>
+            <a:endParaRPr sz="800">
+              <a:solidFill>
+                <a:srgbClr val="000000"/>
+              </a:solidFill>
+            </a:endParaRPr>
           </a:p>
         </p:txBody>
       </p:sp>
@@ -3904,19 +3762,12 @@
         <p:cNvGrpSpPr/>
         <p:nvPr/>
       </p:nvGrpSpPr>
-      <p:grpSpPr>
-        <a:xfrm>
-          <a:off x="0" y="0"/>
-          <a:ext cx="0" cy="0"/>
-          <a:chOff x="0" y="0"/>
-          <a:chExt cx="0" cy="0"/>
-        </a:xfrm>
-      </p:grpSpPr>
+      <p:grpSpPr/>
       <p:sp>
         <p:nvSpPr>
           <p:cNvPr id="2" name="Title 1"/>
           <p:cNvSpPr>
-            <a:spLocks noGrp="1"/>
+            <a:spLocks noGrp="true"/>
           </p:cNvSpPr>
           <p:nvPr>
             <p:ph type="title"/>
@@ -3937,7 +3788,7 @@
         <p:nvSpPr>
           <p:cNvPr id="3" name="Content Placeholder 2"/>
           <p:cNvSpPr>
-            <a:spLocks noGrp="1"/>
+            <a:spLocks noGrp="true"/>
           </p:cNvSpPr>
           <p:nvPr>
             <p:ph idx="1"/>
@@ -3970,33 +3821,19 @@
               <a:t> </a:t>
             </a:r>
           </a:p>
-          <a:p>
-            <a:endParaRPr/>
-          </a:p>
-          <a:p>
-            <a:endParaRPr/>
-          </a:p>
-          <a:p>
-            <a:endParaRPr/>
-          </a:p>
-          <a:p>
-            <a:endParaRPr/>
-          </a:p>
-          <a:p>
-            <a:endParaRPr/>
-          </a:p>
-          <a:p>
-            <a:endParaRPr/>
-          </a:p>
-          <a:p>
-            <a:endParaRPr/>
-          </a:p>
+          <a:p/>
+          <a:p/>
+          <a:p/>
+          <a:p/>
+          <a:p/>
+          <a:p/>
+          <a:p/>
         </p:txBody>
       </p:sp>
       <p:sp>
         <p:nvSpPr>
           <p:cNvPr id="4" name="TextBox 3"/>
-          <p:cNvSpPr txBox="1"/>
+          <p:cNvSpPr txBox="true"/>
           <p:nvPr/>
         </p:nvSpPr>
         <p:spPr>
@@ -4023,6 +3860,11 @@
               </a:rPr>
               <a:t>Copyright © 2021 by Elephant Scale, All Rights Reserved</a:t>
             </a:r>
+            <a:endParaRPr sz="800">
+              <a:solidFill>
+                <a:srgbClr val="000000"/>
+              </a:solidFill>
+            </a:endParaRPr>
           </a:p>
         </p:txBody>
       </p:sp>
@@ -4030,19 +3872,19 @@
         <p:nvPicPr>
           <p:cNvPr id="5" name="Picture 4" descr="alice-pudding.png"/>
           <p:cNvPicPr>
-            <a:picLocks noChangeAspect="1"/>
+            <a:picLocks noChangeAspect="true"/>
           </p:cNvPicPr>
           <p:nvPr/>
         </p:nvPicPr>
         <p:blipFill>
-          <a:blip r:embed="rId2"/>
+          <a:blip r:embed="rId1"/>
           <a:stretch>
             <a:fillRect/>
           </a:stretch>
         </p:blipFill>
         <p:spPr>
           <a:xfrm>
-            <a:off x="704088" y="2731611"/>
+            <a:off x="704088" y="2231136"/>
             <a:ext cx="2545828" cy="2834640"/>
           </a:xfrm>
           <a:prstGeom prst="rect">
@@ -4067,19 +3909,12 @@
         <p:cNvGrpSpPr/>
         <p:nvPr/>
       </p:nvGrpSpPr>
-      <p:grpSpPr>
-        <a:xfrm>
-          <a:off x="0" y="0"/>
-          <a:ext cx="0" cy="0"/>
-          <a:chOff x="0" y="0"/>
-          <a:chExt cx="0" cy="0"/>
-        </a:xfrm>
-      </p:grpSpPr>
+      <p:grpSpPr/>
       <p:sp>
         <p:nvSpPr>
           <p:cNvPr id="2" name="Title 1"/>
           <p:cNvSpPr>
-            <a:spLocks noGrp="1"/>
+            <a:spLocks noGrp="true"/>
           </p:cNvSpPr>
           <p:nvPr>
             <p:ph type="title"/>
@@ -4100,7 +3935,7 @@
         <p:nvSpPr>
           <p:cNvPr id="3" name="Content Placeholder 2"/>
           <p:cNvSpPr>
-            <a:spLocks noGrp="1"/>
+            <a:spLocks noGrp="true"/>
           </p:cNvSpPr>
           <p:nvPr>
             <p:ph idx="1"/>
@@ -4167,6 +4002,7 @@
               <a:rPr b="1"/>
               <a:t> simplicity</a:t>
             </a:r>
+            <a:endParaRPr b="1"/>
           </a:p>
           <a:p>
             <a:pPr lvl="1"/>
@@ -4179,7 +4015,7 @@
       <p:sp>
         <p:nvSpPr>
           <p:cNvPr id="4" name="TextBox 3"/>
-          <p:cNvSpPr txBox="1"/>
+          <p:cNvSpPr txBox="true"/>
           <p:nvPr/>
         </p:nvSpPr>
         <p:spPr>
@@ -4206,6 +4042,11 @@
               </a:rPr>
               <a:t>Copyright © 2021 by Elephant Scale, All Rights Reserved</a:t>
             </a:r>
+            <a:endParaRPr sz="800">
+              <a:solidFill>
+                <a:srgbClr val="000000"/>
+              </a:solidFill>
+            </a:endParaRPr>
           </a:p>
         </p:txBody>
       </p:sp>
@@ -4226,19 +4067,12 @@
         <p:cNvGrpSpPr/>
         <p:nvPr/>
       </p:nvGrpSpPr>
-      <p:grpSpPr>
-        <a:xfrm>
-          <a:off x="0" y="0"/>
-          <a:ext cx="0" cy="0"/>
-          <a:chOff x="0" y="0"/>
-          <a:chExt cx="0" cy="0"/>
-        </a:xfrm>
-      </p:grpSpPr>
+      <p:grpSpPr/>
       <p:sp>
         <p:nvSpPr>
           <p:cNvPr id="2" name="Title 1"/>
           <p:cNvSpPr>
-            <a:spLocks noGrp="1"/>
+            <a:spLocks noGrp="true"/>
           </p:cNvSpPr>
           <p:nvPr>
             <p:ph type="title"/>
@@ -4259,7 +4093,7 @@
         <p:nvSpPr>
           <p:cNvPr id="3" name="Content Placeholder 2"/>
           <p:cNvSpPr>
-            <a:spLocks noGrp="1"/>
+            <a:spLocks noGrp="true"/>
           </p:cNvSpPr>
           <p:nvPr>
             <p:ph idx="1"/>
@@ -4269,33 +4103,19 @@
         <p:txBody>
           <a:bodyPr/>
           <a:lstStyle/>
-          <a:p>
-            <a:endParaRPr/>
-          </a:p>
-          <a:p>
-            <a:endParaRPr/>
-          </a:p>
-          <a:p>
-            <a:endParaRPr/>
-          </a:p>
-          <a:p>
-            <a:endParaRPr/>
-          </a:p>
-          <a:p>
-            <a:endParaRPr/>
-          </a:p>
-          <a:p>
-            <a:endParaRPr/>
-          </a:p>
-          <a:p>
-            <a:endParaRPr/>
-          </a:p>
+          <a:p/>
+          <a:p/>
+          <a:p/>
+          <a:p/>
+          <a:p/>
+          <a:p/>
+          <a:p/>
         </p:txBody>
       </p:sp>
       <p:sp>
         <p:nvSpPr>
           <p:cNvPr id="4" name="TextBox 3"/>
-          <p:cNvSpPr txBox="1"/>
+          <p:cNvSpPr txBox="true"/>
           <p:nvPr/>
         </p:nvSpPr>
         <p:spPr>
@@ -4322,6 +4142,11 @@
               </a:rPr>
               <a:t>Copyright © 2021 by Elephant Scale, All Rights Reserved</a:t>
             </a:r>
+            <a:endParaRPr sz="800">
+              <a:solidFill>
+                <a:srgbClr val="000000"/>
+              </a:solidFill>
+            </a:endParaRPr>
           </a:p>
         </p:txBody>
       </p:sp>
@@ -4329,20 +4154,20 @@
         <p:nvPicPr>
           <p:cNvPr id="5" name="Picture 4" descr="vault-provides.png"/>
           <p:cNvPicPr>
-            <a:picLocks noChangeAspect="1"/>
+            <a:picLocks noChangeAspect="true"/>
           </p:cNvPicPr>
           <p:nvPr/>
         </p:nvPicPr>
         <p:blipFill>
-          <a:blip r:embed="rId2"/>
+          <a:blip r:embed="rId1"/>
           <a:stretch>
             <a:fillRect/>
           </a:stretch>
         </p:blipFill>
         <p:spPr>
           <a:xfrm>
-            <a:off x="704088" y="1786730"/>
-            <a:ext cx="8468833" cy="2950369"/>
+            <a:off x="169545" y="1861185"/>
+            <a:ext cx="9374505" cy="3265805"/>
           </a:xfrm>
           <a:prstGeom prst="rect">
             <a:avLst/>
@@ -4366,19 +4191,12 @@
         <p:cNvGrpSpPr/>
         <p:nvPr/>
       </p:nvGrpSpPr>
-      <p:grpSpPr>
-        <a:xfrm>
-          <a:off x="0" y="0"/>
-          <a:ext cx="0" cy="0"/>
-          <a:chOff x="0" y="0"/>
-          <a:chExt cx="0" cy="0"/>
-        </a:xfrm>
-      </p:grpSpPr>
+      <p:grpSpPr/>
       <p:sp>
         <p:nvSpPr>
           <p:cNvPr id="2" name="Title 1"/>
           <p:cNvSpPr>
-            <a:spLocks noGrp="1"/>
+            <a:spLocks noGrp="true"/>
           </p:cNvSpPr>
           <p:nvPr>
             <p:ph type="title"/>
@@ -4399,7 +4217,7 @@
         <p:nvSpPr>
           <p:cNvPr id="3" name="Content Placeholder 2"/>
           <p:cNvSpPr>
-            <a:spLocks noGrp="1"/>
+            <a:spLocks noGrp="true"/>
           </p:cNvSpPr>
           <p:nvPr>
             <p:ph idx="1"/>
@@ -4409,36 +4227,20 @@
         <p:txBody>
           <a:bodyPr/>
           <a:lstStyle/>
-          <a:p>
-            <a:endParaRPr/>
-          </a:p>
-          <a:p>
-            <a:endParaRPr/>
-          </a:p>
-          <a:p>
-            <a:endParaRPr/>
-          </a:p>
-          <a:p>
-            <a:endParaRPr/>
-          </a:p>
-          <a:p>
-            <a:endParaRPr/>
-          </a:p>
-          <a:p>
-            <a:endParaRPr/>
-          </a:p>
-          <a:p>
-            <a:endParaRPr/>
-          </a:p>
-          <a:p>
-            <a:endParaRPr/>
-          </a:p>
+          <a:p/>
+          <a:p/>
+          <a:p/>
+          <a:p/>
+          <a:p/>
+          <a:p/>
+          <a:p/>
+          <a:p/>
         </p:txBody>
       </p:sp>
       <p:sp>
         <p:nvSpPr>
           <p:cNvPr id="4" name="TextBox 3"/>
-          <p:cNvSpPr txBox="1"/>
+          <p:cNvSpPr txBox="true"/>
           <p:nvPr/>
         </p:nvSpPr>
         <p:spPr>
@@ -4465,6 +4267,11 @@
               </a:rPr>
               <a:t>Copyright © 2021 by Elephant Scale, All Rights Reserved</a:t>
             </a:r>
+            <a:endParaRPr sz="800">
+              <a:solidFill>
+                <a:srgbClr val="000000"/>
+              </a:solidFill>
+            </a:endParaRPr>
           </a:p>
         </p:txBody>
       </p:sp>
@@ -4472,20 +4279,20 @@
         <p:nvPicPr>
           <p:cNvPr id="5" name="Picture 4" descr="vault-os-enterprise.png"/>
           <p:cNvPicPr>
-            <a:picLocks noChangeAspect="1"/>
+            <a:picLocks noChangeAspect="true"/>
           </p:cNvPicPr>
           <p:nvPr/>
         </p:nvPicPr>
         <p:blipFill>
-          <a:blip r:embed="rId2"/>
+          <a:blip r:embed="rId1"/>
           <a:stretch>
             <a:fillRect/>
           </a:stretch>
         </p:blipFill>
         <p:spPr>
           <a:xfrm>
-            <a:off x="0" y="1481931"/>
-            <a:ext cx="8902700" cy="5195774"/>
+            <a:off x="704088" y="914400"/>
+            <a:ext cx="7442200" cy="4343400"/>
           </a:xfrm>
           <a:prstGeom prst="rect">
             <a:avLst/>
@@ -4509,19 +4316,12 @@
         <p:cNvGrpSpPr/>
         <p:nvPr/>
       </p:nvGrpSpPr>
-      <p:grpSpPr>
-        <a:xfrm>
-          <a:off x="0" y="0"/>
-          <a:ext cx="0" cy="0"/>
-          <a:chOff x="0" y="0"/>
-          <a:chExt cx="0" cy="0"/>
-        </a:xfrm>
-      </p:grpSpPr>
+      <p:grpSpPr/>
       <p:sp>
         <p:nvSpPr>
           <p:cNvPr id="2" name="Title 1"/>
           <p:cNvSpPr>
-            <a:spLocks noGrp="1"/>
+            <a:spLocks noGrp="true"/>
           </p:cNvSpPr>
           <p:nvPr>
             <p:ph type="title"/>
@@ -4542,7 +4342,7 @@
         <p:nvSpPr>
           <p:cNvPr id="3" name="Content Placeholder 2"/>
           <p:cNvSpPr>
-            <a:spLocks noGrp="1"/>
+            <a:spLocks noGrp="true"/>
           </p:cNvSpPr>
           <p:nvPr>
             <p:ph idx="1"/>
@@ -4552,36 +4352,20 @@
         <p:txBody>
           <a:bodyPr/>
           <a:lstStyle/>
-          <a:p>
-            <a:endParaRPr/>
-          </a:p>
-          <a:p>
-            <a:endParaRPr/>
-          </a:p>
-          <a:p>
-            <a:endParaRPr/>
-          </a:p>
-          <a:p>
-            <a:endParaRPr/>
-          </a:p>
-          <a:p>
-            <a:endParaRPr/>
-          </a:p>
-          <a:p>
-            <a:endParaRPr/>
-          </a:p>
-          <a:p>
-            <a:endParaRPr/>
-          </a:p>
-          <a:p>
-            <a:endParaRPr/>
-          </a:p>
+          <a:p/>
+          <a:p/>
+          <a:p/>
+          <a:p/>
+          <a:p/>
+          <a:p/>
+          <a:p/>
+          <a:p/>
         </p:txBody>
       </p:sp>
       <p:sp>
         <p:nvSpPr>
           <p:cNvPr id="4" name="TextBox 3"/>
-          <p:cNvSpPr txBox="1"/>
+          <p:cNvSpPr txBox="true"/>
           <p:nvPr/>
         </p:nvSpPr>
         <p:spPr>
@@ -4608,6 +4392,11 @@
               </a:rPr>
               <a:t>Copyright © 2021 by Elephant Scale, All Rights Reserved</a:t>
             </a:r>
+            <a:endParaRPr sz="800">
+              <a:solidFill>
+                <a:srgbClr val="000000"/>
+              </a:solidFill>
+            </a:endParaRPr>
           </a:p>
         </p:txBody>
       </p:sp>
@@ -4615,20 +4404,20 @@
         <p:nvPicPr>
           <p:cNvPr id="5" name="Picture 4" descr="vault-components.png"/>
           <p:cNvPicPr>
-            <a:picLocks noChangeAspect="1"/>
+            <a:picLocks noChangeAspect="true"/>
           </p:cNvPicPr>
           <p:nvPr/>
         </p:nvPicPr>
         <p:blipFill>
-          <a:blip r:embed="rId2"/>
+          <a:blip r:embed="rId1"/>
           <a:stretch>
             <a:fillRect/>
           </a:stretch>
         </p:blipFill>
         <p:spPr>
           <a:xfrm>
-            <a:off x="19050" y="1481931"/>
-            <a:ext cx="9330468" cy="4203700"/>
+            <a:off x="120015" y="1654175"/>
+            <a:ext cx="9157970" cy="4126230"/>
           </a:xfrm>
           <a:prstGeom prst="rect">
             <a:avLst/>
@@ -4652,19 +4441,12 @@
         <p:cNvGrpSpPr/>
         <p:nvPr/>
       </p:nvGrpSpPr>
-      <p:grpSpPr>
-        <a:xfrm>
-          <a:off x="0" y="0"/>
-          <a:ext cx="0" cy="0"/>
-          <a:chOff x="0" y="0"/>
-          <a:chExt cx="0" cy="0"/>
-        </a:xfrm>
-      </p:grpSpPr>
+      <p:grpSpPr/>
       <p:sp>
         <p:nvSpPr>
           <p:cNvPr id="2" name="Title 1"/>
           <p:cNvSpPr>
-            <a:spLocks noGrp="1"/>
+            <a:spLocks noGrp="true"/>
           </p:cNvSpPr>
           <p:nvPr>
             <p:ph type="title"/>
@@ -4685,7 +4467,7 @@
         <p:nvSpPr>
           <p:cNvPr id="3" name="Content Placeholder 2"/>
           <p:cNvSpPr>
-            <a:spLocks noGrp="1"/>
+            <a:spLocks noGrp="true"/>
           </p:cNvSpPr>
           <p:nvPr>
             <p:ph idx="1"/>
@@ -4695,33 +4477,19 @@
         <p:txBody>
           <a:bodyPr/>
           <a:lstStyle/>
-          <a:p>
-            <a:endParaRPr/>
-          </a:p>
-          <a:p>
-            <a:endParaRPr/>
-          </a:p>
-          <a:p>
-            <a:endParaRPr/>
-          </a:p>
-          <a:p>
-            <a:endParaRPr/>
-          </a:p>
-          <a:p>
-            <a:endParaRPr/>
-          </a:p>
-          <a:p>
-            <a:endParaRPr/>
-          </a:p>
-          <a:p>
-            <a:endParaRPr/>
-          </a:p>
+          <a:p/>
+          <a:p/>
+          <a:p/>
+          <a:p/>
+          <a:p/>
+          <a:p/>
+          <a:p/>
         </p:txBody>
       </p:sp>
       <p:sp>
         <p:nvSpPr>
           <p:cNvPr id="4" name="TextBox 3"/>
-          <p:cNvSpPr txBox="1"/>
+          <p:cNvSpPr txBox="true"/>
           <p:nvPr/>
         </p:nvSpPr>
         <p:spPr>
@@ -4748,6 +4516,11 @@
               </a:rPr>
               <a:t>Copyright © 2021 by Elephant Scale, All Rights Reserved</a:t>
             </a:r>
+            <a:endParaRPr sz="800">
+              <a:solidFill>
+                <a:srgbClr val="000000"/>
+              </a:solidFill>
+            </a:endParaRPr>
           </a:p>
         </p:txBody>
       </p:sp>
@@ -4755,20 +4528,20 @@
         <p:nvPicPr>
           <p:cNvPr id="5" name="Picture 4" descr="vault-storage-backends.png"/>
           <p:cNvPicPr>
-            <a:picLocks noChangeAspect="1"/>
+            <a:picLocks noChangeAspect="true"/>
           </p:cNvPicPr>
           <p:nvPr/>
         </p:nvPicPr>
         <p:blipFill>
-          <a:blip r:embed="rId2"/>
+          <a:blip r:embed="rId1"/>
           <a:stretch>
             <a:fillRect/>
           </a:stretch>
         </p:blipFill>
         <p:spPr>
           <a:xfrm>
-            <a:off x="107188" y="1510221"/>
-            <a:ext cx="9265412" cy="3921409"/>
+            <a:off x="107315" y="1562735"/>
+            <a:ext cx="9050020" cy="3830320"/>
           </a:xfrm>
           <a:prstGeom prst="rect">
             <a:avLst/>
@@ -4792,19 +4565,12 @@
         <p:cNvGrpSpPr/>
         <p:nvPr/>
       </p:nvGrpSpPr>
-      <p:grpSpPr>
-        <a:xfrm>
-          <a:off x="0" y="0"/>
-          <a:ext cx="0" cy="0"/>
-          <a:chOff x="0" y="0"/>
-          <a:chExt cx="0" cy="0"/>
-        </a:xfrm>
-      </p:grpSpPr>
+      <p:grpSpPr/>
       <p:sp>
         <p:nvSpPr>
           <p:cNvPr id="2" name="Title 1"/>
           <p:cNvSpPr>
-            <a:spLocks noGrp="1"/>
+            <a:spLocks noGrp="true"/>
           </p:cNvSpPr>
           <p:nvPr>
             <p:ph type="title"/>
@@ -4825,7 +4591,7 @@
         <p:nvSpPr>
           <p:cNvPr id="3" name="Content Placeholder 2"/>
           <p:cNvSpPr>
-            <a:spLocks noGrp="1"/>
+            <a:spLocks noGrp="true"/>
           </p:cNvSpPr>
           <p:nvPr>
             <p:ph idx="1"/>
@@ -4835,33 +4601,19 @@
         <p:txBody>
           <a:bodyPr/>
           <a:lstStyle/>
-          <a:p>
-            <a:endParaRPr/>
-          </a:p>
-          <a:p>
-            <a:endParaRPr/>
-          </a:p>
-          <a:p>
-            <a:endParaRPr/>
-          </a:p>
-          <a:p>
-            <a:endParaRPr/>
-          </a:p>
-          <a:p>
-            <a:endParaRPr/>
-          </a:p>
-          <a:p>
-            <a:endParaRPr/>
-          </a:p>
-          <a:p>
-            <a:endParaRPr/>
-          </a:p>
+          <a:p/>
+          <a:p/>
+          <a:p/>
+          <a:p/>
+          <a:p/>
+          <a:p/>
+          <a:p/>
         </p:txBody>
       </p:sp>
       <p:sp>
         <p:nvSpPr>
           <p:cNvPr id="4" name="TextBox 3"/>
-          <p:cNvSpPr txBox="1"/>
+          <p:cNvSpPr txBox="true"/>
           <p:nvPr/>
         </p:nvSpPr>
         <p:spPr>
@@ -4888,6 +4640,11 @@
               </a:rPr>
               <a:t>Copyright © 2021 by Elephant Scale, All Rights Reserved</a:t>
             </a:r>
+            <a:endParaRPr sz="800">
+              <a:solidFill>
+                <a:srgbClr val="000000"/>
+              </a:solidFill>
+            </a:endParaRPr>
           </a:p>
         </p:txBody>
       </p:sp>
@@ -4895,20 +4652,20 @@
         <p:nvPicPr>
           <p:cNvPr id="5" name="Picture 4" descr="vault-secret-engines.png"/>
           <p:cNvPicPr>
-            <a:picLocks noChangeAspect="1"/>
+            <a:picLocks noChangeAspect="true"/>
           </p:cNvPicPr>
           <p:nvPr/>
         </p:nvPicPr>
         <p:blipFill>
-          <a:blip r:embed="rId2"/>
+          <a:blip r:embed="rId1"/>
           <a:stretch>
             <a:fillRect/>
           </a:stretch>
         </p:blipFill>
         <p:spPr>
           <a:xfrm>
-            <a:off x="0" y="1676507"/>
-            <a:ext cx="9372600" cy="3971023"/>
+            <a:off x="187960" y="1675130"/>
+            <a:ext cx="8996680" cy="3811905"/>
           </a:xfrm>
           <a:prstGeom prst="rect">
             <a:avLst/>
@@ -4932,19 +4689,12 @@
         <p:cNvGrpSpPr/>
         <p:nvPr/>
       </p:nvGrpSpPr>
-      <p:grpSpPr>
-        <a:xfrm>
-          <a:off x="0" y="0"/>
-          <a:ext cx="0" cy="0"/>
-          <a:chOff x="0" y="0"/>
-          <a:chExt cx="0" cy="0"/>
-        </a:xfrm>
-      </p:grpSpPr>
+      <p:grpSpPr/>
       <p:sp>
         <p:nvSpPr>
           <p:cNvPr id="2" name="Title 1"/>
           <p:cNvSpPr>
-            <a:spLocks noGrp="1"/>
+            <a:spLocks noGrp="true"/>
           </p:cNvSpPr>
           <p:nvPr>
             <p:ph type="title"/>
@@ -4965,7 +4715,7 @@
         <p:nvSpPr>
           <p:cNvPr id="3" name="Content Placeholder 2"/>
           <p:cNvSpPr>
-            <a:spLocks noGrp="1"/>
+            <a:spLocks noGrp="true"/>
           </p:cNvSpPr>
           <p:nvPr>
             <p:ph idx="1"/>
@@ -4975,36 +4725,20 @@
         <p:txBody>
           <a:bodyPr/>
           <a:lstStyle/>
-          <a:p>
-            <a:endParaRPr/>
-          </a:p>
-          <a:p>
-            <a:endParaRPr/>
-          </a:p>
-          <a:p>
-            <a:endParaRPr/>
-          </a:p>
-          <a:p>
-            <a:endParaRPr/>
-          </a:p>
-          <a:p>
-            <a:endParaRPr/>
-          </a:p>
-          <a:p>
-            <a:endParaRPr/>
-          </a:p>
-          <a:p>
-            <a:endParaRPr/>
-          </a:p>
-          <a:p>
-            <a:endParaRPr/>
-          </a:p>
+          <a:p/>
+          <a:p/>
+          <a:p/>
+          <a:p/>
+          <a:p/>
+          <a:p/>
+          <a:p/>
+          <a:p/>
         </p:txBody>
       </p:sp>
       <p:sp>
         <p:nvSpPr>
           <p:cNvPr id="4" name="TextBox 3"/>
-          <p:cNvSpPr txBox="1"/>
+          <p:cNvSpPr txBox="true"/>
           <p:nvPr/>
         </p:nvSpPr>
         <p:spPr>
@@ -5031,6 +4765,11 @@
               </a:rPr>
               <a:t>Copyright © 2021 by Elephant Scale, All Rights Reserved</a:t>
             </a:r>
+            <a:endParaRPr sz="800">
+              <a:solidFill>
+                <a:srgbClr val="000000"/>
+              </a:solidFill>
+            </a:endParaRPr>
           </a:p>
         </p:txBody>
       </p:sp>
@@ -5038,20 +4777,20 @@
         <p:nvPicPr>
           <p:cNvPr id="5" name="Picture 4" descr="vault-auth-methods.png"/>
           <p:cNvPicPr>
-            <a:picLocks noChangeAspect="1"/>
+            <a:picLocks noChangeAspect="true"/>
           </p:cNvPicPr>
           <p:nvPr/>
         </p:nvPicPr>
         <p:blipFill>
-          <a:blip r:embed="rId2"/>
+          <a:blip r:embed="rId1"/>
           <a:stretch>
             <a:fillRect/>
           </a:stretch>
         </p:blipFill>
         <p:spPr>
           <a:xfrm>
-            <a:off x="151638" y="1786731"/>
-            <a:ext cx="9171122" cy="4114800"/>
+            <a:off x="151765" y="1704975"/>
+            <a:ext cx="9173845" cy="4116070"/>
           </a:xfrm>
           <a:prstGeom prst="rect">
             <a:avLst/>
@@ -5075,19 +4814,12 @@
         <p:cNvGrpSpPr/>
         <p:nvPr/>
       </p:nvGrpSpPr>
-      <p:grpSpPr>
-        <a:xfrm>
-          <a:off x="0" y="0"/>
-          <a:ext cx="0" cy="0"/>
-          <a:chOff x="0" y="0"/>
-          <a:chExt cx="0" cy="0"/>
-        </a:xfrm>
-      </p:grpSpPr>
+      <p:grpSpPr/>
       <p:sp>
         <p:nvSpPr>
           <p:cNvPr id="2" name="Title 1"/>
           <p:cNvSpPr>
-            <a:spLocks noGrp="1"/>
+            <a:spLocks noGrp="true"/>
           </p:cNvSpPr>
           <p:nvPr>
             <p:ph type="title"/>
@@ -5108,7 +4840,7 @@
         <p:nvSpPr>
           <p:cNvPr id="3" name="Content Placeholder 2"/>
           <p:cNvSpPr>
-            <a:spLocks noGrp="1"/>
+            <a:spLocks noGrp="true"/>
           </p:cNvSpPr>
           <p:nvPr>
             <p:ph idx="1"/>
@@ -5118,36 +4850,20 @@
         <p:txBody>
           <a:bodyPr/>
           <a:lstStyle/>
-          <a:p>
-            <a:endParaRPr/>
-          </a:p>
-          <a:p>
-            <a:endParaRPr/>
-          </a:p>
-          <a:p>
-            <a:endParaRPr/>
-          </a:p>
-          <a:p>
-            <a:endParaRPr/>
-          </a:p>
-          <a:p>
-            <a:endParaRPr/>
-          </a:p>
-          <a:p>
-            <a:endParaRPr/>
-          </a:p>
-          <a:p>
-            <a:endParaRPr/>
-          </a:p>
-          <a:p>
-            <a:endParaRPr/>
-          </a:p>
+          <a:p/>
+          <a:p/>
+          <a:p/>
+          <a:p/>
+          <a:p/>
+          <a:p/>
+          <a:p/>
+          <a:p/>
         </p:txBody>
       </p:sp>
       <p:sp>
         <p:nvSpPr>
           <p:cNvPr id="4" name="TextBox 3"/>
-          <p:cNvSpPr txBox="1"/>
+          <p:cNvSpPr txBox="true"/>
           <p:nvPr/>
         </p:nvSpPr>
         <p:spPr>
@@ -5174,6 +4890,11 @@
               </a:rPr>
               <a:t>Copyright © 2021 by Elephant Scale, All Rights Reserved</a:t>
             </a:r>
+            <a:endParaRPr sz="800">
+              <a:solidFill>
+                <a:srgbClr val="000000"/>
+              </a:solidFill>
+            </a:endParaRPr>
           </a:p>
         </p:txBody>
       </p:sp>
@@ -5181,20 +4902,20 @@
         <p:nvPicPr>
           <p:cNvPr id="5" name="Picture 4" descr="vault-paths.png"/>
           <p:cNvPicPr>
-            <a:picLocks noChangeAspect="1"/>
+            <a:picLocks noChangeAspect="true"/>
           </p:cNvPicPr>
           <p:nvPr/>
         </p:nvPicPr>
         <p:blipFill>
-          <a:blip r:embed="rId2"/>
+          <a:blip r:embed="rId1"/>
           <a:stretch>
             <a:fillRect/>
           </a:stretch>
         </p:blipFill>
         <p:spPr>
           <a:xfrm>
-            <a:off x="0" y="2015331"/>
-            <a:ext cx="9316224" cy="3708400"/>
+            <a:off x="15240" y="1878330"/>
+            <a:ext cx="9231630" cy="3674745"/>
           </a:xfrm>
           <a:prstGeom prst="rect">
             <a:avLst/>
@@ -5218,19 +4939,12 @@
         <p:cNvGrpSpPr/>
         <p:nvPr/>
       </p:nvGrpSpPr>
-      <p:grpSpPr>
-        <a:xfrm>
-          <a:off x="0" y="0"/>
-          <a:ext cx="0" cy="0"/>
-          <a:chOff x="0" y="0"/>
-          <a:chExt cx="0" cy="0"/>
-        </a:xfrm>
-      </p:grpSpPr>
+      <p:grpSpPr/>
       <p:sp>
         <p:nvSpPr>
           <p:cNvPr id="2" name="Title 1"/>
           <p:cNvSpPr>
-            <a:spLocks noGrp="1"/>
+            <a:spLocks noGrp="true"/>
           </p:cNvSpPr>
           <p:nvPr>
             <p:ph type="title"/>
@@ -5251,7 +4965,7 @@
         <p:nvSpPr>
           <p:cNvPr id="3" name="Content Placeholder 2"/>
           <p:cNvSpPr>
-            <a:spLocks noGrp="1"/>
+            <a:spLocks noGrp="true"/>
           </p:cNvSpPr>
           <p:nvPr>
             <p:ph idx="1"/>
@@ -5261,30 +4975,18 @@
         <p:txBody>
           <a:bodyPr/>
           <a:lstStyle/>
-          <a:p>
-            <a:endParaRPr/>
-          </a:p>
-          <a:p>
-            <a:endParaRPr/>
-          </a:p>
-          <a:p>
-            <a:endParaRPr/>
-          </a:p>
-          <a:p>
-            <a:endParaRPr/>
-          </a:p>
-          <a:p>
-            <a:endParaRPr/>
-          </a:p>
-          <a:p>
-            <a:endParaRPr/>
-          </a:p>
+          <a:p/>
+          <a:p/>
+          <a:p/>
+          <a:p/>
+          <a:p/>
+          <a:p/>
         </p:txBody>
       </p:sp>
       <p:sp>
         <p:nvSpPr>
           <p:cNvPr id="4" name="TextBox 3"/>
-          <p:cNvSpPr txBox="1"/>
+          <p:cNvSpPr txBox="true"/>
           <p:nvPr/>
         </p:nvSpPr>
         <p:spPr>
@@ -5311,6 +5013,11 @@
               </a:rPr>
               <a:t>Copyright © 2021 by Elephant Scale, All Rights Reserved</a:t>
             </a:r>
+            <a:endParaRPr sz="800">
+              <a:solidFill>
+                <a:srgbClr val="000000"/>
+              </a:solidFill>
+            </a:endParaRPr>
           </a:p>
         </p:txBody>
       </p:sp>
@@ -5318,20 +5025,20 @@
         <p:nvPicPr>
           <p:cNvPr id="5" name="Picture 4" descr="vault-paths2.png"/>
           <p:cNvPicPr>
-            <a:picLocks noChangeAspect="1"/>
+            <a:picLocks noChangeAspect="true"/>
           </p:cNvPicPr>
           <p:nvPr/>
         </p:nvPicPr>
         <p:blipFill>
-          <a:blip r:embed="rId2"/>
+          <a:blip r:embed="rId1"/>
           <a:stretch>
             <a:fillRect/>
           </a:stretch>
         </p:blipFill>
         <p:spPr>
           <a:xfrm>
-            <a:off x="0" y="2241443"/>
-            <a:ext cx="9372600" cy="2796487"/>
+            <a:off x="-15875" y="2081530"/>
+            <a:ext cx="9293225" cy="2773045"/>
           </a:xfrm>
           <a:prstGeom prst="rect">
             <a:avLst/>
@@ -5355,19 +5062,12 @@
         <p:cNvGrpSpPr/>
         <p:nvPr/>
       </p:nvGrpSpPr>
-      <p:grpSpPr>
-        <a:xfrm>
-          <a:off x="0" y="0"/>
-          <a:ext cx="0" cy="0"/>
-          <a:chOff x="0" y="0"/>
-          <a:chExt cx="0" cy="0"/>
-        </a:xfrm>
-      </p:grpSpPr>
+      <p:grpSpPr/>
       <p:sp>
         <p:nvSpPr>
           <p:cNvPr id="2" name="Title 1"/>
           <p:cNvSpPr>
-            <a:spLocks noGrp="1"/>
+            <a:spLocks noGrp="true"/>
           </p:cNvSpPr>
           <p:nvPr>
             <p:ph type="title"/>
@@ -5388,7 +5088,7 @@
         <p:nvSpPr>
           <p:cNvPr id="3" name="Content Placeholder 2"/>
           <p:cNvSpPr>
-            <a:spLocks noGrp="1"/>
+            <a:spLocks noGrp="true"/>
           </p:cNvSpPr>
           <p:nvPr>
             <p:ph idx="1"/>
@@ -5398,33 +5098,15 @@
         <p:txBody>
           <a:bodyPr/>
           <a:lstStyle/>
-          <a:p>
-            <a:endParaRPr/>
-          </a:p>
-          <a:p>
-            <a:endParaRPr/>
-          </a:p>
-          <a:p>
-            <a:endParaRPr/>
-          </a:p>
-          <a:p>
-            <a:endParaRPr/>
-          </a:p>
-          <a:p>
-            <a:endParaRPr/>
-          </a:p>
-          <a:p>
-            <a:endParaRPr/>
-          </a:p>
-          <a:p>
-            <a:endParaRPr/>
-          </a:p>
-          <a:p>
-            <a:endParaRPr/>
-          </a:p>
-          <a:p>
-            <a:endParaRPr/>
-          </a:p>
+          <a:p/>
+          <a:p/>
+          <a:p/>
+          <a:p/>
+          <a:p/>
+          <a:p/>
+          <a:p/>
+          <a:p/>
+          <a:p/>
           <a:p>
             <a:r>
               <a:t> </a:t>
@@ -5435,7 +5117,7 @@
       <p:sp>
         <p:nvSpPr>
           <p:cNvPr id="4" name="TextBox 3"/>
-          <p:cNvSpPr txBox="1"/>
+          <p:cNvSpPr txBox="true"/>
           <p:nvPr/>
         </p:nvSpPr>
         <p:spPr>
@@ -5462,6 +5144,11 @@
               </a:rPr>
               <a:t>Copyright © 2021 by Elephant Scale, All Rights Reserved</a:t>
             </a:r>
+            <a:endParaRPr sz="800">
+              <a:solidFill>
+                <a:srgbClr val="000000"/>
+              </a:solidFill>
+            </a:endParaRPr>
           </a:p>
         </p:txBody>
       </p:sp>
@@ -5469,20 +5156,20 @@
         <p:nvPicPr>
           <p:cNvPr id="5" name="Picture 4" descr="vault-paths-rules.png"/>
           <p:cNvPicPr>
-            <a:picLocks noChangeAspect="1"/>
+            <a:picLocks noChangeAspect="true"/>
           </p:cNvPicPr>
           <p:nvPr/>
         </p:nvPicPr>
         <p:blipFill>
-          <a:blip r:embed="rId2"/>
+          <a:blip r:embed="rId1"/>
           <a:stretch>
             <a:fillRect/>
           </a:stretch>
         </p:blipFill>
         <p:spPr>
           <a:xfrm>
-            <a:off x="244475" y="2015331"/>
-            <a:ext cx="9026549" cy="4381500"/>
+            <a:off x="177800" y="1764665"/>
+            <a:ext cx="9194800" cy="4463415"/>
           </a:xfrm>
           <a:prstGeom prst="rect">
             <a:avLst/>
@@ -5506,19 +5193,12 @@
         <p:cNvGrpSpPr/>
         <p:nvPr/>
       </p:nvGrpSpPr>
-      <p:grpSpPr>
-        <a:xfrm>
-          <a:off x="0" y="0"/>
-          <a:ext cx="0" cy="0"/>
-          <a:chOff x="0" y="0"/>
-          <a:chExt cx="0" cy="0"/>
-        </a:xfrm>
-      </p:grpSpPr>
+      <p:grpSpPr/>
       <p:sp>
         <p:nvSpPr>
           <p:cNvPr id="2" name="Title 1"/>
           <p:cNvSpPr>
-            <a:spLocks noGrp="1"/>
+            <a:spLocks noGrp="true"/>
           </p:cNvSpPr>
           <p:nvPr>
             <p:ph type="title"/>
@@ -5539,7 +5219,7 @@
         <p:nvSpPr>
           <p:cNvPr id="3" name="Content Placeholder 2"/>
           <p:cNvSpPr>
-            <a:spLocks noGrp="1"/>
+            <a:spLocks noGrp="true"/>
           </p:cNvSpPr>
           <p:nvPr>
             <p:ph idx="1"/>
@@ -5620,7 +5300,7 @@
       <p:sp>
         <p:nvSpPr>
           <p:cNvPr id="4" name="TextBox 3"/>
-          <p:cNvSpPr txBox="1"/>
+          <p:cNvSpPr txBox="true"/>
           <p:nvPr/>
         </p:nvSpPr>
         <p:spPr>
@@ -5647,6 +5327,11 @@
               </a:rPr>
               <a:t>Copyright © 2021 by Elephant Scale, All Rights Reserved</a:t>
             </a:r>
+            <a:endParaRPr sz="800">
+              <a:solidFill>
+                <a:srgbClr val="000000"/>
+              </a:solidFill>
+            </a:endParaRPr>
           </a:p>
         </p:txBody>
       </p:sp>
@@ -5667,19 +5352,12 @@
         <p:cNvGrpSpPr/>
         <p:nvPr/>
       </p:nvGrpSpPr>
-      <p:grpSpPr>
-        <a:xfrm>
-          <a:off x="0" y="0"/>
-          <a:ext cx="0" cy="0"/>
-          <a:chOff x="0" y="0"/>
-          <a:chExt cx="0" cy="0"/>
-        </a:xfrm>
-      </p:grpSpPr>
+      <p:grpSpPr/>
       <p:sp>
         <p:nvSpPr>
           <p:cNvPr id="2" name="Title 1"/>
           <p:cNvSpPr>
-            <a:spLocks noGrp="1"/>
+            <a:spLocks noGrp="true"/>
           </p:cNvSpPr>
           <p:nvPr>
             <p:ph type="title"/>
@@ -5700,7 +5378,7 @@
         <p:nvSpPr>
           <p:cNvPr id="3" name="Content Placeholder 2"/>
           <p:cNvSpPr>
-            <a:spLocks noGrp="1"/>
+            <a:spLocks noGrp="true"/>
           </p:cNvSpPr>
           <p:nvPr>
             <p:ph idx="1"/>
@@ -5710,39 +5388,21 @@
         <p:txBody>
           <a:bodyPr/>
           <a:lstStyle/>
-          <a:p>
-            <a:endParaRPr/>
-          </a:p>
-          <a:p>
-            <a:endParaRPr/>
-          </a:p>
-          <a:p>
-            <a:endParaRPr/>
-          </a:p>
-          <a:p>
-            <a:endParaRPr/>
-          </a:p>
-          <a:p>
-            <a:endParaRPr/>
-          </a:p>
-          <a:p>
-            <a:endParaRPr/>
-          </a:p>
-          <a:p>
-            <a:endParaRPr/>
-          </a:p>
-          <a:p>
-            <a:endParaRPr/>
-          </a:p>
-          <a:p>
-            <a:endParaRPr/>
-          </a:p>
+          <a:p/>
+          <a:p/>
+          <a:p/>
+          <a:p/>
+          <a:p/>
+          <a:p/>
+          <a:p/>
+          <a:p/>
+          <a:p/>
         </p:txBody>
       </p:sp>
       <p:sp>
         <p:nvSpPr>
           <p:cNvPr id="4" name="TextBox 3"/>
-          <p:cNvSpPr txBox="1"/>
+          <p:cNvSpPr txBox="true"/>
           <p:nvPr/>
         </p:nvSpPr>
         <p:spPr>
@@ -5769,6 +5429,11 @@
               </a:rPr>
               <a:t>Copyright © 2021 by Elephant Scale, All Rights Reserved</a:t>
             </a:r>
+            <a:endParaRPr sz="800">
+              <a:solidFill>
+                <a:srgbClr val="000000"/>
+              </a:solidFill>
+            </a:endParaRPr>
           </a:p>
         </p:txBody>
       </p:sp>
@@ -5776,20 +5441,20 @@
         <p:nvPicPr>
           <p:cNvPr id="5" name="Picture 4" descr="hashicorp-overview.png"/>
           <p:cNvPicPr>
-            <a:picLocks noChangeAspect="1"/>
+            <a:picLocks noChangeAspect="true"/>
           </p:cNvPicPr>
           <p:nvPr/>
         </p:nvPicPr>
         <p:blipFill>
-          <a:blip r:embed="rId2"/>
+          <a:blip r:embed="rId1"/>
           <a:stretch>
             <a:fillRect/>
           </a:stretch>
         </p:blipFill>
         <p:spPr>
           <a:xfrm>
-            <a:off x="0" y="1260205"/>
-            <a:ext cx="9417000" cy="4095750"/>
+            <a:off x="46355" y="2125345"/>
+            <a:ext cx="9356725" cy="4069715"/>
           </a:xfrm>
           <a:prstGeom prst="rect">
             <a:avLst/>
@@ -5813,19 +5478,12 @@
         <p:cNvGrpSpPr/>
         <p:nvPr/>
       </p:nvGrpSpPr>
-      <p:grpSpPr>
-        <a:xfrm>
-          <a:off x="0" y="0"/>
-          <a:ext cx="0" cy="0"/>
-          <a:chOff x="0" y="0"/>
-          <a:chExt cx="0" cy="0"/>
-        </a:xfrm>
-      </p:grpSpPr>
+      <p:grpSpPr/>
       <p:sp>
         <p:nvSpPr>
           <p:cNvPr id="2" name="Title 1"/>
           <p:cNvSpPr>
-            <a:spLocks noGrp="1"/>
+            <a:spLocks noGrp="true"/>
           </p:cNvSpPr>
           <p:nvPr>
             <p:ph type="title"/>
@@ -5837,7 +5495,7 @@
           <a:lstStyle/>
           <a:p>
             <a:r>
-              <a:t>Vault overview</a:t>
+              <a:t>Vault summary</a:t>
             </a:r>
           </a:p>
         </p:txBody>
@@ -5846,7 +5504,7 @@
         <p:nvSpPr>
           <p:cNvPr id="3" name="Content Placeholder 2"/>
           <p:cNvSpPr>
-            <a:spLocks noGrp="1"/>
+            <a:spLocks noGrp="true"/>
           </p:cNvSpPr>
           <p:nvPr>
             <p:ph idx="1"/>
@@ -5856,36 +5514,20 @@
         <p:txBody>
           <a:bodyPr/>
           <a:lstStyle/>
-          <a:p>
-            <a:endParaRPr/>
-          </a:p>
-          <a:p>
-            <a:endParaRPr/>
-          </a:p>
-          <a:p>
-            <a:endParaRPr/>
-          </a:p>
-          <a:p>
-            <a:endParaRPr/>
-          </a:p>
-          <a:p>
-            <a:endParaRPr/>
-          </a:p>
-          <a:p>
-            <a:endParaRPr/>
-          </a:p>
-          <a:p>
-            <a:endParaRPr/>
-          </a:p>
-          <a:p>
-            <a:endParaRPr/>
-          </a:p>
+          <a:p/>
+          <a:p/>
+          <a:p/>
+          <a:p/>
+          <a:p/>
+          <a:p/>
+          <a:p/>
+          <a:p/>
         </p:txBody>
       </p:sp>
       <p:sp>
         <p:nvSpPr>
           <p:cNvPr id="4" name="TextBox 3"/>
-          <p:cNvSpPr txBox="1"/>
+          <p:cNvSpPr txBox="true"/>
           <p:nvPr/>
         </p:nvSpPr>
         <p:spPr>
@@ -5912,6 +5554,11 @@
               </a:rPr>
               <a:t>Copyright © 2021 by Elephant Scale, All Rights Reserved</a:t>
             </a:r>
+            <a:endParaRPr sz="800">
+              <a:solidFill>
+                <a:srgbClr val="000000"/>
+              </a:solidFill>
+            </a:endParaRPr>
           </a:p>
         </p:txBody>
       </p:sp>
@@ -5919,20 +5566,391 @@
         <p:nvPicPr>
           <p:cNvPr id="5" name="Picture 4" descr="vault-overview.png"/>
           <p:cNvPicPr>
-            <a:picLocks noChangeAspect="1"/>
+            <a:picLocks noChangeAspect="true"/>
           </p:cNvPicPr>
           <p:nvPr/>
         </p:nvPicPr>
         <p:blipFill>
-          <a:blip r:embed="rId2"/>
+          <a:blip r:embed="rId1"/>
           <a:stretch>
             <a:fillRect/>
           </a:stretch>
         </p:blipFill>
         <p:spPr>
           <a:xfrm>
-            <a:off x="62738" y="2091531"/>
-            <a:ext cx="9321472" cy="4051300"/>
+            <a:off x="51435" y="1551940"/>
+            <a:ext cx="9086215" cy="3949065"/>
+          </a:xfrm>
+          <a:prstGeom prst="rect">
+            <a:avLst/>
+          </a:prstGeom>
+        </p:spPr>
+      </p:pic>
+    </p:spTree>
+  </p:cSld>
+  <p:clrMapOvr>
+    <a:masterClrMapping/>
+  </p:clrMapOvr>
+</p:sld>
+</file>
+
+<file path=ppt/slides/slide32.xml><?xml version="1.0" encoding="utf-8"?>
+<p:sld xmlns:a="http://schemas.openxmlformats.org/drawingml/2006/main" xmlns:r="http://schemas.openxmlformats.org/officeDocument/2006/relationships" xmlns:p="http://schemas.openxmlformats.org/presentationml/2006/main">
+  <p:cSld>
+    <p:spTree>
+      <p:nvGrpSpPr>
+        <p:cNvPr id="1" name=""/>
+        <p:cNvGrpSpPr/>
+        <p:nvPr/>
+      </p:nvGrpSpPr>
+      <p:grpSpPr/>
+      <p:sp>
+        <p:nvSpPr>
+          <p:cNvPr id="2" name="Title 1"/>
+          <p:cNvSpPr>
+            <a:spLocks noGrp="true"/>
+          </p:cNvSpPr>
+          <p:nvPr>
+            <p:ph type="title"/>
+          </p:nvPr>
+        </p:nvSpPr>
+        <p:spPr/>
+        <p:txBody>
+          <a:bodyPr/>
+          <a:lstStyle/>
+          <a:p>
+            <a:r>
+              <a:t>Latest news: HCP Vault on AWS</a:t>
+            </a:r>
+          </a:p>
+        </p:txBody>
+      </p:sp>
+      <p:sp>
+        <p:nvSpPr>
+          <p:cNvPr id="3" name="Content Placeholder 2"/>
+          <p:cNvSpPr>
+            <a:spLocks noGrp="true"/>
+          </p:cNvSpPr>
+          <p:nvPr>
+            <p:ph idx="1"/>
+          </p:nvPr>
+        </p:nvSpPr>
+        <p:spPr/>
+        <p:txBody>
+          <a:bodyPr/>
+          <a:lstStyle/>
+          <a:p>
+            <a:r>
+              <a:t> APR 07 2021</a:t>
+            </a:r>
+          </a:p>
+          <a:p>
+            <a:r>
+              <a:t> HCP Vault is now generally available on AWS.</a:t>
+            </a:r>
+          </a:p>
+          <a:p>
+            <a:pPr lvl="1"/>
+            <a:r>
+              <a:t> HCP Vault gives you the power and security of HashiCorp Vault</a:t>
+            </a:r>
+          </a:p>
+          <a:p>
+            <a:pPr lvl="1"/>
+            <a:r>
+              <a:t> We still need to know how to use it :)</a:t>
+            </a:r>
+          </a:p>
+        </p:txBody>
+      </p:sp>
+      <p:sp>
+        <p:nvSpPr>
+          <p:cNvPr id="4" name="TextBox 3"/>
+          <p:cNvSpPr txBox="true"/>
+          <p:nvPr/>
+        </p:nvSpPr>
+        <p:spPr>
+          <a:xfrm>
+            <a:off x="704088" y="8065008"/>
+            <a:ext cx="8915400" cy="228600"/>
+          </a:xfrm>
+          <a:prstGeom prst="rect">
+            <a:avLst/>
+          </a:prstGeom>
+          <a:noFill/>
+        </p:spPr>
+        <p:txBody>
+          <a:bodyPr wrap="none">
+            <a:spAutoFit/>
+          </a:bodyPr>
+          <a:lstStyle/>
+          <a:p>
+            <a:r>
+              <a:rPr sz="800">
+                <a:solidFill>
+                  <a:srgbClr val="000000"/>
+                </a:solidFill>
+              </a:rPr>
+              <a:t>Copyright © 2021 by Elephant Scale, All Rights Reserved</a:t>
+            </a:r>
+            <a:endParaRPr sz="800">
+              <a:solidFill>
+                <a:srgbClr val="000000"/>
+              </a:solidFill>
+            </a:endParaRPr>
+          </a:p>
+        </p:txBody>
+      </p:sp>
+    </p:spTree>
+  </p:cSld>
+  <p:clrMapOvr>
+    <a:masterClrMapping/>
+  </p:clrMapOvr>
+</p:sld>
+</file>
+
+<file path=ppt/slides/slide33.xml><?xml version="1.0" encoding="utf-8"?>
+<p:sld xmlns:a="http://schemas.openxmlformats.org/drawingml/2006/main" xmlns:r="http://schemas.openxmlformats.org/officeDocument/2006/relationships" xmlns:p="http://schemas.openxmlformats.org/presentationml/2006/main">
+  <p:cSld>
+    <p:spTree>
+      <p:nvGrpSpPr>
+        <p:cNvPr id="1" name=""/>
+        <p:cNvGrpSpPr/>
+        <p:nvPr/>
+      </p:nvGrpSpPr>
+      <p:grpSpPr/>
+      <p:sp>
+        <p:nvSpPr>
+          <p:cNvPr id="2" name="Title 1"/>
+          <p:cNvSpPr>
+            <a:spLocks noGrp="true"/>
+          </p:cNvSpPr>
+          <p:nvPr>
+            <p:ph type="title"/>
+          </p:nvPr>
+        </p:nvSpPr>
+        <p:spPr/>
+        <p:txBody>
+          <a:bodyPr/>
+          <a:lstStyle/>
+          <a:p>
+            <a:r>
+              <a:t>What's involved</a:t>
+            </a:r>
+          </a:p>
+        </p:txBody>
+      </p:sp>
+      <p:sp>
+        <p:nvSpPr>
+          <p:cNvPr id="3" name="Content Placeholder 2"/>
+          <p:cNvSpPr>
+            <a:spLocks noGrp="true"/>
+          </p:cNvSpPr>
+          <p:nvPr>
+            <p:ph idx="1"/>
+          </p:nvPr>
+        </p:nvSpPr>
+        <p:spPr/>
+        <p:txBody>
+          <a:bodyPr/>
+          <a:lstStyle/>
+          <a:p>
+            <a:r>
+              <a:t> Create an account:</a:t>
+            </a:r>
+          </a:p>
+          <a:p>
+            <a:pPr lvl="1"/>
+            <a:r>
+              <a:t> First create a HashiCorp Cloud Platform account.</a:t>
+            </a:r>
+          </a:p>
+          <a:p>
+            <a:r>
+              <a:t> Deploy a cluster</a:t>
+            </a:r>
+          </a:p>
+          <a:p>
+            <a:pPr lvl="1"/>
+            <a:r>
+              <a:t> Next, select HCP Vault from the dashboard. We have a quickstart deployment guide that will walk you through the process of creating your HashiCorp Virtual Network (HVN) and a Vault cluster.</a:t>
+            </a:r>
+          </a:p>
+          <a:p>
+            <a:r>
+              <a:t> Peer with AWS</a:t>
+            </a:r>
+          </a:p>
+          <a:p>
+            <a:pPr lvl="1"/>
+            <a:r>
+              <a:t> Once you have deployed their HVN and cluster, the next step is to peer that network with your existing AWS environments.</a:t>
+            </a:r>
+          </a:p>
+        </p:txBody>
+      </p:sp>
+      <p:sp>
+        <p:nvSpPr>
+          <p:cNvPr id="4" name="TextBox 3"/>
+          <p:cNvSpPr txBox="true"/>
+          <p:nvPr/>
+        </p:nvSpPr>
+        <p:spPr>
+          <a:xfrm>
+            <a:off x="704088" y="8065008"/>
+            <a:ext cx="8915400" cy="228600"/>
+          </a:xfrm>
+          <a:prstGeom prst="rect">
+            <a:avLst/>
+          </a:prstGeom>
+          <a:noFill/>
+        </p:spPr>
+        <p:txBody>
+          <a:bodyPr wrap="none">
+            <a:spAutoFit/>
+          </a:bodyPr>
+          <a:lstStyle/>
+          <a:p>
+            <a:r>
+              <a:rPr sz="800">
+                <a:solidFill>
+                  <a:srgbClr val="000000"/>
+                </a:solidFill>
+              </a:rPr>
+              <a:t>Copyright © 2021 by Elephant Scale, All Rights Reserved</a:t>
+            </a:r>
+            <a:endParaRPr sz="800">
+              <a:solidFill>
+                <a:srgbClr val="000000"/>
+              </a:solidFill>
+            </a:endParaRPr>
+          </a:p>
+        </p:txBody>
+      </p:sp>
+    </p:spTree>
+  </p:cSld>
+  <p:clrMapOvr>
+    <a:masterClrMapping/>
+  </p:clrMapOvr>
+</p:sld>
+</file>
+
+<file path=ppt/slides/slide34.xml><?xml version="1.0" encoding="utf-8"?>
+<p:sld xmlns:a="http://schemas.openxmlformats.org/drawingml/2006/main" xmlns:r="http://schemas.openxmlformats.org/officeDocument/2006/relationships" xmlns:p="http://schemas.openxmlformats.org/presentationml/2006/main">
+  <p:cSld>
+    <p:spTree>
+      <p:nvGrpSpPr>
+        <p:cNvPr id="1" name=""/>
+        <p:cNvGrpSpPr/>
+        <p:nvPr/>
+      </p:nvGrpSpPr>
+      <p:grpSpPr/>
+      <p:sp>
+        <p:nvSpPr>
+          <p:cNvPr id="2" name="Title 1"/>
+          <p:cNvSpPr>
+            <a:spLocks noGrp="true"/>
+          </p:cNvSpPr>
+          <p:nvPr>
+            <p:ph type="title"/>
+          </p:nvPr>
+        </p:nvSpPr>
+        <p:spPr/>
+        <p:txBody>
+          <a:bodyPr/>
+          <a:lstStyle/>
+          <a:p>
+            <a:r>
+              <a:t>Vault on AWS pricing</a:t>
+            </a:r>
+          </a:p>
+        </p:txBody>
+      </p:sp>
+      <p:sp>
+        <p:nvSpPr>
+          <p:cNvPr id="3" name="Content Placeholder 2"/>
+          <p:cNvSpPr>
+            <a:spLocks noGrp="true"/>
+          </p:cNvSpPr>
+          <p:nvPr>
+            <p:ph idx="1"/>
+          </p:nvPr>
+        </p:nvSpPr>
+        <p:spPr/>
+        <p:txBody>
+          <a:bodyPr/>
+          <a:lstStyle/>
+          <a:p/>
+          <a:p/>
+          <a:p/>
+          <a:p/>
+          <a:p/>
+          <a:p/>
+          <a:p/>
+          <a:p/>
+          <a:p/>
+          <a:p/>
+          <a:p/>
+          <a:p/>
+          <a:p/>
+        </p:txBody>
+      </p:sp>
+      <p:sp>
+        <p:nvSpPr>
+          <p:cNvPr id="4" name="TextBox 3"/>
+          <p:cNvSpPr txBox="true"/>
+          <p:nvPr/>
+        </p:nvSpPr>
+        <p:spPr>
+          <a:xfrm>
+            <a:off x="704088" y="8065008"/>
+            <a:ext cx="8915400" cy="228600"/>
+          </a:xfrm>
+          <a:prstGeom prst="rect">
+            <a:avLst/>
+          </a:prstGeom>
+          <a:noFill/>
+        </p:spPr>
+        <p:txBody>
+          <a:bodyPr wrap="none">
+            <a:spAutoFit/>
+          </a:bodyPr>
+          <a:lstStyle/>
+          <a:p>
+            <a:r>
+              <a:rPr sz="800">
+                <a:solidFill>
+                  <a:srgbClr val="000000"/>
+                </a:solidFill>
+              </a:rPr>
+              <a:t>Copyright © 2021 by Elephant Scale, All Rights Reserved</a:t>
+            </a:r>
+            <a:endParaRPr sz="800">
+              <a:solidFill>
+                <a:srgbClr val="000000"/>
+              </a:solidFill>
+            </a:endParaRPr>
+          </a:p>
+        </p:txBody>
+      </p:sp>
+      <p:pic>
+        <p:nvPicPr>
+          <p:cNvPr id="5" name="Picture 4" descr="vault-aws-pricing.png"/>
+          <p:cNvPicPr>
+            <a:picLocks noChangeAspect="true"/>
+          </p:cNvPicPr>
+          <p:nvPr/>
+        </p:nvPicPr>
+        <p:blipFill>
+          <a:blip r:embed="rId1"/>
+          <a:stretch>
+            <a:fillRect/>
+          </a:stretch>
+        </p:blipFill>
+        <p:spPr>
+          <a:xfrm>
+            <a:off x="70485" y="1479550"/>
+            <a:ext cx="9284335" cy="4407535"/>
           </a:xfrm>
           <a:prstGeom prst="rect">
             <a:avLst/>
@@ -5956,19 +5974,12 @@
         <p:cNvGrpSpPr/>
         <p:nvPr/>
       </p:nvGrpSpPr>
-      <p:grpSpPr>
-        <a:xfrm>
-          <a:off x="0" y="0"/>
-          <a:ext cx="0" cy="0"/>
-          <a:chOff x="0" y="0"/>
-          <a:chExt cx="0" cy="0"/>
-        </a:xfrm>
-      </p:grpSpPr>
+      <p:grpSpPr/>
       <p:sp>
         <p:nvSpPr>
           <p:cNvPr id="2" name="Title 1"/>
           <p:cNvSpPr>
-            <a:spLocks noGrp="1"/>
+            <a:spLocks noGrp="true"/>
           </p:cNvSpPr>
           <p:nvPr>
             <p:ph type="title"/>
@@ -5989,7 +6000,7 @@
         <p:nvSpPr>
           <p:cNvPr id="3" name="Content Placeholder 2"/>
           <p:cNvSpPr>
-            <a:spLocks noGrp="1"/>
+            <a:spLocks noGrp="true"/>
           </p:cNvSpPr>
           <p:nvPr>
             <p:ph idx="1"/>
@@ -6054,7 +6065,7 @@
       <p:sp>
         <p:nvSpPr>
           <p:cNvPr id="4" name="TextBox 3"/>
-          <p:cNvSpPr txBox="1"/>
+          <p:cNvSpPr txBox="true"/>
           <p:nvPr/>
         </p:nvSpPr>
         <p:spPr>
@@ -6081,6 +6092,11 @@
               </a:rPr>
               <a:t>Copyright © 2021 by Elephant Scale, All Rights Reserved</a:t>
             </a:r>
+            <a:endParaRPr sz="800">
+              <a:solidFill>
+                <a:srgbClr val="000000"/>
+              </a:solidFill>
+            </a:endParaRPr>
           </a:p>
         </p:txBody>
       </p:sp>
@@ -6101,19 +6117,12 @@
         <p:cNvGrpSpPr/>
         <p:nvPr/>
       </p:nvGrpSpPr>
-      <p:grpSpPr>
-        <a:xfrm>
-          <a:off x="0" y="0"/>
-          <a:ext cx="0" cy="0"/>
-          <a:chOff x="0" y="0"/>
-          <a:chExt cx="0" cy="0"/>
-        </a:xfrm>
-      </p:grpSpPr>
+      <p:grpSpPr/>
       <p:sp>
         <p:nvSpPr>
           <p:cNvPr id="2" name="Title 1"/>
           <p:cNvSpPr>
-            <a:spLocks noGrp="1"/>
+            <a:spLocks noGrp="true"/>
           </p:cNvSpPr>
           <p:nvPr>
             <p:ph type="title"/>
@@ -6134,7 +6143,7 @@
         <p:nvSpPr>
           <p:cNvPr id="3" name="Content Placeholder 2"/>
           <p:cNvSpPr>
-            <a:spLocks noGrp="1"/>
+            <a:spLocks noGrp="true"/>
           </p:cNvSpPr>
           <p:nvPr>
             <p:ph idx="1"/>
@@ -6144,33 +6153,19 @@
         <p:txBody>
           <a:bodyPr/>
           <a:lstStyle/>
-          <a:p>
-            <a:endParaRPr/>
-          </a:p>
-          <a:p>
-            <a:endParaRPr/>
-          </a:p>
-          <a:p>
-            <a:endParaRPr/>
-          </a:p>
-          <a:p>
-            <a:endParaRPr/>
-          </a:p>
-          <a:p>
-            <a:endParaRPr/>
-          </a:p>
-          <a:p>
-            <a:endParaRPr/>
-          </a:p>
-          <a:p>
-            <a:endParaRPr/>
-          </a:p>
+          <a:p/>
+          <a:p/>
+          <a:p/>
+          <a:p/>
+          <a:p/>
+          <a:p/>
+          <a:p/>
         </p:txBody>
       </p:sp>
       <p:sp>
         <p:nvSpPr>
           <p:cNvPr id="4" name="TextBox 3"/>
-          <p:cNvSpPr txBox="1"/>
+          <p:cNvSpPr txBox="true"/>
           <p:nvPr/>
         </p:nvSpPr>
         <p:spPr>
@@ -6197,6 +6192,11 @@
               </a:rPr>
               <a:t>Copyright © 2021 by Elephant Scale, All Rights Reserved</a:t>
             </a:r>
+            <a:endParaRPr sz="800">
+              <a:solidFill>
+                <a:srgbClr val="000000"/>
+              </a:solidFill>
+            </a:endParaRPr>
           </a:p>
         </p:txBody>
       </p:sp>
@@ -6204,20 +6204,20 @@
         <p:nvPicPr>
           <p:cNvPr id="5" name="Picture 4" descr="hashi-offerings.png"/>
           <p:cNvPicPr>
-            <a:picLocks noChangeAspect="1"/>
+            <a:picLocks noChangeAspect="true"/>
           </p:cNvPicPr>
           <p:nvPr/>
         </p:nvPicPr>
         <p:blipFill>
-          <a:blip r:embed="rId2"/>
+          <a:blip r:embed="rId1"/>
           <a:stretch>
             <a:fillRect/>
           </a:stretch>
         </p:blipFill>
         <p:spPr>
           <a:xfrm>
-            <a:off x="704088" y="1560496"/>
-            <a:ext cx="8173212" cy="2960704"/>
+            <a:off x="234950" y="1469390"/>
+            <a:ext cx="8650605" cy="3133725"/>
           </a:xfrm>
           <a:prstGeom prst="rect">
             <a:avLst/>
@@ -6241,19 +6241,12 @@
         <p:cNvGrpSpPr/>
         <p:nvPr/>
       </p:nvGrpSpPr>
-      <p:grpSpPr>
-        <a:xfrm>
-          <a:off x="0" y="0"/>
-          <a:ext cx="0" cy="0"/>
-          <a:chOff x="0" y="0"/>
-          <a:chExt cx="0" cy="0"/>
-        </a:xfrm>
-      </p:grpSpPr>
+      <p:grpSpPr/>
       <p:sp>
         <p:nvSpPr>
           <p:cNvPr id="2" name="Title 1"/>
           <p:cNvSpPr>
-            <a:spLocks noGrp="1"/>
+            <a:spLocks noGrp="true"/>
           </p:cNvSpPr>
           <p:nvPr>
             <p:ph type="title"/>
@@ -6274,7 +6267,7 @@
         <p:nvSpPr>
           <p:cNvPr id="3" name="Content Placeholder 2"/>
           <p:cNvSpPr>
-            <a:spLocks noGrp="1"/>
+            <a:spLocks noGrp="true"/>
           </p:cNvSpPr>
           <p:nvPr>
             <p:ph idx="1"/>
@@ -6284,36 +6277,20 @@
         <p:txBody>
           <a:bodyPr/>
           <a:lstStyle/>
-          <a:p>
-            <a:endParaRPr/>
-          </a:p>
-          <a:p>
-            <a:endParaRPr/>
-          </a:p>
-          <a:p>
-            <a:endParaRPr/>
-          </a:p>
-          <a:p>
-            <a:endParaRPr/>
-          </a:p>
-          <a:p>
-            <a:endParaRPr/>
-          </a:p>
-          <a:p>
-            <a:endParaRPr/>
-          </a:p>
-          <a:p>
-            <a:endParaRPr/>
-          </a:p>
-          <a:p>
-            <a:endParaRPr/>
-          </a:p>
+          <a:p/>
+          <a:p/>
+          <a:p/>
+          <a:p/>
+          <a:p/>
+          <a:p/>
+          <a:p/>
+          <a:p/>
         </p:txBody>
       </p:sp>
       <p:sp>
         <p:nvSpPr>
           <p:cNvPr id="4" name="TextBox 3"/>
-          <p:cNvSpPr txBox="1"/>
+          <p:cNvSpPr txBox="true"/>
           <p:nvPr/>
         </p:nvSpPr>
         <p:spPr>
@@ -6340,6 +6317,11 @@
               </a:rPr>
               <a:t>Copyright © 2021 by Elephant Scale, All Rights Reserved</a:t>
             </a:r>
+            <a:endParaRPr sz="800">
+              <a:solidFill>
+                <a:srgbClr val="000000"/>
+              </a:solidFill>
+            </a:endParaRPr>
           </a:p>
         </p:txBody>
       </p:sp>
@@ -6347,20 +6329,20 @@
         <p:nvPicPr>
           <p:cNvPr id="5" name="Picture 4" descr="iams.png"/>
           <p:cNvPicPr>
-            <a:picLocks noChangeAspect="1"/>
+            <a:picLocks noChangeAspect="true"/>
           </p:cNvPicPr>
           <p:nvPr/>
         </p:nvPicPr>
         <p:blipFill>
-          <a:blip r:embed="rId2"/>
+          <a:blip r:embed="rId1"/>
           <a:stretch>
             <a:fillRect/>
           </a:stretch>
         </p:blipFill>
         <p:spPr>
           <a:xfrm>
-            <a:off x="704088" y="1558130"/>
-            <a:ext cx="8350831" cy="3902869"/>
+            <a:off x="234950" y="1499870"/>
+            <a:ext cx="8738870" cy="4084320"/>
           </a:xfrm>
           <a:prstGeom prst="rect">
             <a:avLst/>
@@ -6384,19 +6366,12 @@
         <p:cNvGrpSpPr/>
         <p:nvPr/>
       </p:nvGrpSpPr>
-      <p:grpSpPr>
-        <a:xfrm>
-          <a:off x="0" y="0"/>
-          <a:ext cx="0" cy="0"/>
-          <a:chOff x="0" y="0"/>
-          <a:chExt cx="0" cy="0"/>
-        </a:xfrm>
-      </p:grpSpPr>
+      <p:grpSpPr/>
       <p:sp>
         <p:nvSpPr>
           <p:cNvPr id="2" name="Title 1"/>
           <p:cNvSpPr>
-            <a:spLocks noGrp="1"/>
+            <a:spLocks noGrp="true"/>
           </p:cNvSpPr>
           <p:nvPr>
             <p:ph type="title"/>
@@ -6417,7 +6392,7 @@
         <p:nvSpPr>
           <p:cNvPr id="3" name="Content Placeholder 2"/>
           <p:cNvSpPr>
-            <a:spLocks noGrp="1"/>
+            <a:spLocks noGrp="true"/>
           </p:cNvSpPr>
           <p:nvPr>
             <p:ph idx="1"/>
@@ -6465,7 +6440,7 @@
       <p:sp>
         <p:nvSpPr>
           <p:cNvPr id="4" name="TextBox 3"/>
-          <p:cNvSpPr txBox="1"/>
+          <p:cNvSpPr txBox="true"/>
           <p:nvPr/>
         </p:nvSpPr>
         <p:spPr>
@@ -6492,6 +6467,11 @@
               </a:rPr>
               <a:t>Copyright © 2021 by Elephant Scale, All Rights Reserved</a:t>
             </a:r>
+            <a:endParaRPr sz="800">
+              <a:solidFill>
+                <a:srgbClr val="000000"/>
+              </a:solidFill>
+            </a:endParaRPr>
           </a:p>
         </p:txBody>
       </p:sp>
@@ -6512,19 +6492,12 @@
         <p:cNvGrpSpPr/>
         <p:nvPr/>
       </p:nvGrpSpPr>
-      <p:grpSpPr>
-        <a:xfrm>
-          <a:off x="0" y="0"/>
-          <a:ext cx="0" cy="0"/>
-          <a:chOff x="0" y="0"/>
-          <a:chExt cx="0" cy="0"/>
-        </a:xfrm>
-      </p:grpSpPr>
+      <p:grpSpPr/>
       <p:sp>
         <p:nvSpPr>
           <p:cNvPr id="2" name="Title 1"/>
           <p:cNvSpPr>
-            <a:spLocks noGrp="1"/>
+            <a:spLocks noGrp="true"/>
           </p:cNvSpPr>
           <p:nvPr>
             <p:ph type="title"/>
@@ -6545,7 +6518,7 @@
         <p:nvSpPr>
           <p:cNvPr id="3" name="Content Placeholder 2"/>
           <p:cNvSpPr>
-            <a:spLocks noGrp="1"/>
+            <a:spLocks noGrp="true"/>
           </p:cNvSpPr>
           <p:nvPr>
             <p:ph idx="1"/>
@@ -6555,36 +6528,20 @@
         <p:txBody>
           <a:bodyPr/>
           <a:lstStyle/>
-          <a:p>
-            <a:endParaRPr/>
-          </a:p>
-          <a:p>
-            <a:endParaRPr/>
-          </a:p>
-          <a:p>
-            <a:endParaRPr/>
-          </a:p>
-          <a:p>
-            <a:endParaRPr/>
-          </a:p>
-          <a:p>
-            <a:endParaRPr/>
-          </a:p>
-          <a:p>
-            <a:endParaRPr/>
-          </a:p>
-          <a:p>
-            <a:endParaRPr/>
-          </a:p>
-          <a:p>
-            <a:endParaRPr/>
-          </a:p>
+          <a:p/>
+          <a:p/>
+          <a:p/>
+          <a:p/>
+          <a:p/>
+          <a:p/>
+          <a:p/>
+          <a:p/>
         </p:txBody>
       </p:sp>
       <p:sp>
         <p:nvSpPr>
           <p:cNvPr id="4" name="TextBox 3"/>
-          <p:cNvSpPr txBox="1"/>
+          <p:cNvSpPr txBox="true"/>
           <p:nvPr/>
         </p:nvSpPr>
         <p:spPr>
@@ -6611,6 +6568,11 @@
               </a:rPr>
               <a:t>Copyright © 2021 by Elephant Scale, All Rights Reserved</a:t>
             </a:r>
+            <a:endParaRPr sz="800">
+              <a:solidFill>
+                <a:srgbClr val="000000"/>
+              </a:solidFill>
+            </a:endParaRPr>
           </a:p>
         </p:txBody>
       </p:sp>
@@ -6618,20 +6580,20 @@
         <p:nvPicPr>
           <p:cNvPr id="5" name="Picture 4" descr="vault-fit.png"/>
           <p:cNvPicPr>
-            <a:picLocks noChangeAspect="1"/>
+            <a:picLocks noChangeAspect="true"/>
           </p:cNvPicPr>
           <p:nvPr/>
         </p:nvPicPr>
         <p:blipFill>
-          <a:blip r:embed="rId2"/>
+          <a:blip r:embed="rId1"/>
           <a:stretch>
             <a:fillRect/>
           </a:stretch>
         </p:blipFill>
         <p:spPr>
           <a:xfrm>
-            <a:off x="558038" y="1558130"/>
-            <a:ext cx="8222403" cy="4014801"/>
+            <a:off x="704215" y="1266190"/>
+            <a:ext cx="8487410" cy="4144010"/>
           </a:xfrm>
           <a:prstGeom prst="rect">
             <a:avLst/>
@@ -6655,19 +6617,12 @@
         <p:cNvGrpSpPr/>
         <p:nvPr/>
       </p:nvGrpSpPr>
-      <p:grpSpPr>
-        <a:xfrm>
-          <a:off x="0" y="0"/>
-          <a:ext cx="0" cy="0"/>
-          <a:chOff x="0" y="0"/>
-          <a:chExt cx="0" cy="0"/>
-        </a:xfrm>
-      </p:grpSpPr>
+      <p:grpSpPr/>
       <p:sp>
         <p:nvSpPr>
           <p:cNvPr id="2" name="Title 1"/>
           <p:cNvSpPr>
-            <a:spLocks noGrp="1"/>
+            <a:spLocks noGrp="true"/>
           </p:cNvSpPr>
           <p:nvPr>
             <p:ph type="title"/>
@@ -6688,7 +6643,7 @@
         <p:nvSpPr>
           <p:cNvPr id="3" name="Content Placeholder 2"/>
           <p:cNvSpPr>
-            <a:spLocks noGrp="1"/>
+            <a:spLocks noGrp="true"/>
           </p:cNvSpPr>
           <p:nvPr>
             <p:ph idx="1"/>
@@ -6749,7 +6704,7 @@
       <p:sp>
         <p:nvSpPr>
           <p:cNvPr id="4" name="TextBox 3"/>
-          <p:cNvSpPr txBox="1"/>
+          <p:cNvSpPr txBox="true"/>
           <p:nvPr/>
         </p:nvSpPr>
         <p:spPr>
@@ -6776,6 +6731,11 @@
               </a:rPr>
               <a:t>Copyright © 2021 by Elephant Scale, All Rights Reserved</a:t>
             </a:r>
+            <a:endParaRPr sz="800">
+              <a:solidFill>
+                <a:srgbClr val="000000"/>
+              </a:solidFill>
+            </a:endParaRPr>
           </a:p>
         </p:txBody>
       </p:sp>
@@ -6845,7 +6805,7 @@
         <a:solidFill>
           <a:schemeClr val="phClr"/>
         </a:solidFill>
-        <a:gradFill rotWithShape="1">
+        <a:gradFill rotWithShape="true">
           <a:gsLst>
             <a:gs pos="0">
               <a:schemeClr val="phClr">
@@ -6866,9 +6826,9 @@
               </a:schemeClr>
             </a:gs>
           </a:gsLst>
-          <a:lin ang="16200000" scaled="1"/>
+          <a:lin ang="16200000" scaled="true"/>
         </a:gradFill>
-        <a:gradFill rotWithShape="1">
+        <a:gradFill rotWithShape="true">
           <a:gsLst>
             <a:gs pos="0">
               <a:schemeClr val="phClr">
@@ -6885,7 +6845,7 @@
               </a:schemeClr>
             </a:gs>
           </a:gsLst>
-          <a:lin ang="16200000" scaled="0"/>
+          <a:lin ang="16200000" scaled="false"/>
         </a:gradFill>
       </a:fillStyleLst>
       <a:lnStyleLst>
@@ -6955,7 +6915,7 @@
         <a:solidFill>
           <a:schemeClr val="phClr"/>
         </a:solidFill>
-        <a:gradFill rotWithShape="1">
+        <a:gradFill rotWithShape="true">
           <a:gsLst>
             <a:gs pos="0">
               <a:schemeClr val="phClr">
@@ -6981,7 +6941,7 @@
             <a:fillToRect l="50000" t="-80000" r="50000" b="180000"/>
           </a:path>
         </a:gradFill>
-        <a:gradFill rotWithShape="1">
+        <a:gradFill rotWithShape="true">
           <a:gsLst>
             <a:gs pos="0">
               <a:schemeClr val="phClr">
@@ -7030,13 +6990,8 @@
           <a:headEnd type="none" w="med" len="med"/>
           <a:tailEnd type="none" w="med" len="med"/>
         </a:ln>
-        <a:effectLst/>
       </a:spPr>
-      <a:bodyPr vert="horz" wrap="square" lIns="91440" tIns="45720" rIns="91440" bIns="45720" numCol="1" anchor="t" anchorCtr="0" compatLnSpc="1">
-        <a:prstTxWarp prst="textNoShape">
-          <a:avLst/>
-        </a:prstTxWarp>
-      </a:bodyPr>
+      <a:bodyPr vert="horz" wrap="square" lIns="91440" tIns="45720" rIns="91440" bIns="45720" numCol="1" anchor="t" anchorCtr="false" compatLnSpc="true"/>
       <a:lstStyle>
         <a:defPPr marL="0" marR="0" indent="0" algn="ctr" defTabSz="914400" rtl="0" eaLnBrk="1" fontAlgn="base" latinLnBrk="0" hangingPunct="1">
           <a:lnSpc>
@@ -7052,7 +7007,6 @@
           <a:buSzTx/>
           <a:buFontTx/>
           <a:buNone/>
-          <a:tabLst/>
           <a:defRPr kumimoji="0" lang="en-US" sz="1000" b="0" i="0" u="none" strike="noStrike" cap="none" normalizeH="0" baseline="0">
             <a:ln>
               <a:noFill/>
@@ -7061,7 +7015,7 @@
               <a:schemeClr val="tx1"/>
             </a:solidFill>
             <a:effectLst/>
-            <a:latin typeface="Garamond" pitchFamily="-110" charset="0"/>
+            <a:latin typeface="Garamond" pitchFamily="18" charset="0"/>
           </a:defRPr>
         </a:defPPr>
       </a:lstStyle>
@@ -7092,13 +7046,8 @@
           <a:headEnd type="none" w="med" len="med"/>
           <a:tailEnd type="none" w="med" len="med"/>
         </a:ln>
-        <a:effectLst/>
       </a:spPr>
-      <a:bodyPr vert="horz" wrap="square" lIns="91440" tIns="45720" rIns="91440" bIns="45720" numCol="1" anchor="t" anchorCtr="0" compatLnSpc="1">
-        <a:prstTxWarp prst="textNoShape">
-          <a:avLst/>
-        </a:prstTxWarp>
-      </a:bodyPr>
+      <a:bodyPr vert="horz" wrap="square" lIns="91440" tIns="45720" rIns="91440" bIns="45720" numCol="1" anchor="t" anchorCtr="false" compatLnSpc="true"/>
       <a:lstStyle>
         <a:defPPr marL="0" marR="0" indent="0" algn="ctr" defTabSz="914400" rtl="0" eaLnBrk="1" fontAlgn="base" latinLnBrk="0" hangingPunct="1">
           <a:lnSpc>
@@ -7114,7 +7063,6 @@
           <a:buSzTx/>
           <a:buFontTx/>
           <a:buNone/>
-          <a:tabLst/>
           <a:defRPr kumimoji="0" lang="en-US" sz="1000" b="0" i="0" u="none" strike="noStrike" cap="none" normalizeH="0" baseline="0">
             <a:ln>
               <a:noFill/>
@@ -7123,7 +7071,7 @@
               <a:schemeClr val="tx1"/>
             </a:solidFill>
             <a:effectLst/>
-            <a:latin typeface="Garamond" pitchFamily="-110" charset="0"/>
+            <a:latin typeface="Garamond" pitchFamily="18" charset="0"/>
           </a:defRPr>
         </a:defPPr>
       </a:lstStyle>
@@ -7418,6 +7366,11 @@
       <a:clrMap bg1="dk2" tx1="lt1" bg2="dk1" tx2="lt2" accent1="accent1" accent2="accent2" accent3="accent3" accent4="accent4" accent5="accent5" accent6="accent6" hlink="hlink" folHlink="folHlink"/>
     </a:extraClrScheme>
   </a:extraClrSchemeLst>
+  <a:extLst>
+    <a:ext uri="{05A4C25C-085E-4340-85A3-A5531E510DB2}">
+      <thm15:themeFamily xmlns:thm15="http://schemas.microsoft.com/office/thememl/2012/main" name="Office Theme" id="{62F939B6-93AF-4DB8-9C6B-D6C7DFDC589F}" vid="{4A3C46E8-61CC-4603-A589-7422A47A8E4A}"/>
+    </a:ext>
+  </a:extLst>
 </a:theme>
 </file>
 
@@ -7537,7 +7490,7 @@
         <a:solidFill>
           <a:schemeClr val="phClr"/>
         </a:solidFill>
-        <a:gradFill rotWithShape="1">
+        <a:gradFill rotWithShape="true">
           <a:gsLst>
             <a:gs pos="0">
               <a:schemeClr val="phClr">
@@ -7558,9 +7511,9 @@
               </a:schemeClr>
             </a:gs>
           </a:gsLst>
-          <a:lin ang="16200000" scaled="1"/>
+          <a:lin ang="16200000" scaled="true"/>
         </a:gradFill>
-        <a:gradFill rotWithShape="1">
+        <a:gradFill rotWithShape="true">
           <a:gsLst>
             <a:gs pos="0">
               <a:schemeClr val="phClr">
@@ -7577,7 +7530,7 @@
               </a:schemeClr>
             </a:gs>
           </a:gsLst>
-          <a:lin ang="16200000" scaled="0"/>
+          <a:lin ang="16200000" scaled="false"/>
         </a:gradFill>
       </a:fillStyleLst>
       <a:lnStyleLst>
@@ -7647,7 +7600,7 @@
         <a:solidFill>
           <a:schemeClr val="phClr"/>
         </a:solidFill>
-        <a:gradFill rotWithShape="1">
+        <a:gradFill rotWithShape="true">
           <a:gsLst>
             <a:gs pos="0">
               <a:schemeClr val="phClr">
@@ -7673,7 +7626,7 @@
             <a:fillToRect l="50000" t="-80000" r="50000" b="180000"/>
           </a:path>
         </a:gradFill>
-        <a:gradFill rotWithShape="1">
+        <a:gradFill rotWithShape="true">
           <a:gsLst>
             <a:gs pos="0">
               <a:schemeClr val="phClr">
@@ -7735,7 +7688,11 @@
       </a:style>
     </a:lnDef>
   </a:objectDefaults>
-  <a:extraClrSchemeLst/>
+  <a:extLst>
+    <a:ext uri="{05A4C25C-085E-4340-85A3-A5531E510DB2}">
+      <thm15:themeFamily xmlns:thm15="http://schemas.microsoft.com/office/thememl/2012/main" name="Office Theme" id="{62F939B6-93AF-4DB8-9C6B-D6C7DFDC589F}" vid="{4A3C46E8-61CC-4603-A589-7422A47A8E4A}"/>
+    </a:ext>
+  </a:extLst>
 </a:theme>
 </file>
 
@@ -7855,7 +7812,7 @@
         <a:solidFill>
           <a:schemeClr val="phClr"/>
         </a:solidFill>
-        <a:gradFill rotWithShape="1">
+        <a:gradFill rotWithShape="true">
           <a:gsLst>
             <a:gs pos="0">
               <a:schemeClr val="phClr">
@@ -7876,9 +7833,9 @@
               </a:schemeClr>
             </a:gs>
           </a:gsLst>
-          <a:lin ang="16200000" scaled="1"/>
+          <a:lin ang="16200000" scaled="true"/>
         </a:gradFill>
-        <a:gradFill rotWithShape="1">
+        <a:gradFill rotWithShape="true">
           <a:gsLst>
             <a:gs pos="0">
               <a:schemeClr val="phClr">
@@ -7895,7 +7852,7 @@
               </a:schemeClr>
             </a:gs>
           </a:gsLst>
-          <a:lin ang="16200000" scaled="0"/>
+          <a:lin ang="16200000" scaled="false"/>
         </a:gradFill>
       </a:fillStyleLst>
       <a:lnStyleLst>
@@ -7965,7 +7922,7 @@
         <a:solidFill>
           <a:schemeClr val="phClr"/>
         </a:solidFill>
-        <a:gradFill rotWithShape="1">
+        <a:gradFill rotWithShape="true">
           <a:gsLst>
             <a:gs pos="0">
               <a:schemeClr val="phClr">
@@ -7991,7 +7948,7 @@
             <a:fillToRect l="50000" t="-80000" r="50000" b="180000"/>
           </a:path>
         </a:gradFill>
-        <a:gradFill rotWithShape="1">
+        <a:gradFill rotWithShape="true">
           <a:gsLst>
             <a:gs pos="0">
               <a:schemeClr val="phClr">
@@ -8053,6 +8010,10 @@
       </a:style>
     </a:lnDef>
   </a:objectDefaults>
-  <a:extraClrSchemeLst/>
+  <a:extLst>
+    <a:ext uri="{05A4C25C-085E-4340-85A3-A5531E510DB2}">
+      <thm15:themeFamily xmlns:thm15="http://schemas.microsoft.com/office/thememl/2012/main" name="Office Theme" id="{62F939B6-93AF-4DB8-9C6B-D6C7DFDC589F}" vid="{4A3C46E8-61CC-4603-A589-7422A47A8E4A}"/>
+    </a:ext>
+  </a:extLst>
 </a:theme>
 </file>